--- a/draft-gandhi-mpls-ioam-sr-02.pptx
+++ b/draft-gandhi-mpls-ioam-sr-02.pptx
@@ -8072,6 +8072,16 @@
             <a:r>
               <a:rPr lang="en-CA" sz="2000" dirty="0"/>
               <a:t>Added procedure for hop-by-hop IOAM</a:t>
+            </a:r>
+          </a:p>
+          <a:p>
+            <a:pPr lvl="1">
+              <a:buFont typeface="Wingdings" pitchFamily="2" charset="2"/>
+              <a:buChar char="ü"/>
+            </a:pPr>
+            <a:r>
+              <a:rPr lang="en-CA" sz="2000" dirty="0"/>
+              <a:t>Addressed review comments</a:t>
             </a:r>
           </a:p>
           <a:p>

--- a/draft-gandhi-mpls-ioam-sr-02.pptx
+++ b/draft-gandhi-mpls-ioam-sr-02.pptx
@@ -259,7 +259,7 @@
           <a:p>
             <a:fld id="{E8FA3DB5-7722-3F4F-947D-12B203669AD7}" type="datetimeFigureOut">
               <a:rPr lang="en-US" smtClean="0"/>
-              <a:t>3/9/20</a:t>
+              <a:t>3/17/20</a:t>
             </a:fld>
             <a:endParaRPr lang="en-US"/>
           </a:p>
@@ -5303,7 +5303,7 @@
           <a:p>
             <a:r>
               <a:rPr lang="en-US" sz="3600" dirty="0"/>
-              <a:t>Segment Routing with MPLS Data Plane Encapsulation for In-situ OAM Data</a:t>
+              <a:t>MPLS Data Plane Encapsulation for In-situ OAM Data</a:t>
             </a:r>
           </a:p>
         </p:txBody>
@@ -5346,7 +5346,7 @@
         <p:spPr bwMode="auto">
           <a:xfrm>
             <a:off x="2286000" y="2495551"/>
-            <a:ext cx="4876800" cy="1447799"/>
+            <a:ext cx="4876800" cy="1569242"/>
           </a:xfrm>
           <a:prstGeom prst="rect">
             <a:avLst/>
@@ -5566,7 +5566,54 @@
                 <a:ea typeface="Calibri" charset="0"/>
                 <a:cs typeface="Calibri" panose="020F0502020204030204" pitchFamily="34" charset="0"/>
               </a:rPr>
-              <a:t>)  </a:t>
+              <a:t>)</a:t>
+            </a:r>
+          </a:p>
+          <a:p>
+            <a:pPr>
+              <a:lnSpc>
+                <a:spcPts val="1880"/>
+              </a:lnSpc>
+              <a:spcBef>
+                <a:spcPts val="0"/>
+              </a:spcBef>
+            </a:pPr>
+            <a:r>
+              <a:rPr lang="en-CA" sz="1400" i="1" dirty="0" err="1">
+                <a:latin typeface="Calibri" panose="020F0502020204030204" pitchFamily="34" charset="0"/>
+                <a:cs typeface="Calibri" panose="020F0502020204030204" pitchFamily="34" charset="0"/>
+              </a:rPr>
+              <a:t>Voitek</a:t>
+            </a:r>
+            <a:r>
+              <a:rPr lang="en-CA" sz="1400" i="1" dirty="0">
+                <a:latin typeface="Calibri" panose="020F0502020204030204" pitchFamily="34" charset="0"/>
+                <a:cs typeface="Calibri" panose="020F0502020204030204" pitchFamily="34" charset="0"/>
+              </a:rPr>
+              <a:t> Kozak - Comcast (</a:t>
+            </a:r>
+            <a:r>
+              <a:rPr lang="en-CA" sz="1400" i="1" dirty="0">
+                <a:latin typeface="Calibri" panose="020F0502020204030204" pitchFamily="34" charset="0"/>
+                <a:cs typeface="Calibri" panose="020F0502020204030204" pitchFamily="34" charset="0"/>
+                <a:hlinkClick r:id="rId8"/>
+              </a:rPr>
+              <a:t>Voitek_Kozak@comcast.com</a:t>
+            </a:r>
+            <a:r>
+              <a:rPr lang="en-CA" sz="1400" i="1" dirty="0">
+                <a:latin typeface="Calibri" panose="020F0502020204030204" pitchFamily="34" charset="0"/>
+                <a:cs typeface="Calibri" panose="020F0502020204030204" pitchFamily="34" charset="0"/>
+              </a:rPr>
+              <a:t>) </a:t>
+            </a:r>
+            <a:r>
+              <a:rPr lang="en-US" sz="1400" i="1" dirty="0">
+                <a:latin typeface="Calibri" panose="020F0502020204030204" pitchFamily="34" charset="0"/>
+                <a:ea typeface="Calibri" charset="0"/>
+                <a:cs typeface="Calibri" panose="020F0502020204030204" pitchFamily="34" charset="0"/>
+              </a:rPr>
+              <a:t>  </a:t>
             </a:r>
           </a:p>
         </p:txBody>
@@ -5708,8 +5755,8 @@
         </p:nvSpPr>
         <p:spPr>
           <a:xfrm>
-            <a:off x="438807" y="857250"/>
-            <a:ext cx="8077200" cy="3543300"/>
+            <a:off x="533399" y="857250"/>
+            <a:ext cx="7982607" cy="3543300"/>
           </a:xfrm>
         </p:spPr>
         <p:txBody>
@@ -5727,7 +5774,7 @@
               <a:buAutoNum type="arabicPeriod"/>
             </a:pPr>
             <a:r>
-              <a:rPr lang="en-CA" sz="1800" dirty="0"/>
+              <a:rPr lang="en-CA" sz="2000" dirty="0"/>
               <a:t>The encapsulating node inserts an edge-to-edge Indicator Label and one or more IOAM data field(s) in the MPLS header.</a:t>
             </a:r>
           </a:p>
@@ -5743,7 +5790,7 @@
               <a:buAutoNum type="arabicPeriod"/>
             </a:pPr>
             <a:r>
-              <a:rPr lang="en-CA" sz="1800" dirty="0"/>
+              <a:rPr lang="en-CA" sz="2000" dirty="0"/>
               <a:t>The decapsulating node for edge-to-edge IOAM "forwards and punts the timestamped copy" of the data packet including IOAM data field(s). </a:t>
             </a:r>
           </a:p>
@@ -5759,7 +5806,7 @@
               <a:buChar char="§"/>
             </a:pPr>
             <a:r>
-              <a:rPr lang="en-CA" sz="1800" dirty="0"/>
+              <a:rPr lang="en-CA" sz="2000" dirty="0"/>
               <a:t>The decapsulating node for edge-to-edge IOAM also pops the IOAM Indicator Label and the IOAM data field(s) from the MPLS header.</a:t>
             </a:r>
           </a:p>
@@ -6126,8 +6173,8 @@
         </p:nvSpPr>
         <p:spPr>
           <a:xfrm>
-            <a:off x="438807" y="857250"/>
-            <a:ext cx="8077200" cy="3543300"/>
+            <a:off x="533399" y="857250"/>
+            <a:ext cx="7982607" cy="3543300"/>
           </a:xfrm>
         </p:spPr>
         <p:txBody>
@@ -7006,7 +7053,7 @@
         </p:nvSpPr>
         <p:spPr>
           <a:xfrm>
-            <a:off x="762000" y="971550"/>
+            <a:off x="685800" y="971550"/>
             <a:ext cx="7772400" cy="3200400"/>
           </a:xfrm>
         </p:spPr>
@@ -7056,6 +7103,20 @@
             </a:r>
           </a:p>
           <a:p>
+            <a:pPr>
+              <a:lnSpc>
+                <a:spcPts val="2500"/>
+              </a:lnSpc>
+              <a:spcBef>
+                <a:spcPts val="600"/>
+              </a:spcBef>
+            </a:pPr>
+            <a:r>
+              <a:rPr lang="en-US" sz="2000" dirty="0"/>
+              <a:t>Inform IPPM WG about the milestones (adoption, Last Call)</a:t>
+            </a:r>
+          </a:p>
+          <a:p>
             <a:pPr lvl="1">
               <a:lnSpc>
                 <a:spcPts val="2500"/>
@@ -7066,21 +7127,7 @@
             </a:pPr>
             <a:r>
               <a:rPr lang="en-US" sz="2000" dirty="0"/>
-              <a:t>Inform SPRING WG about the milestones (adoption, Last Call)</a:t>
-            </a:r>
-          </a:p>
-          <a:p>
-            <a:pPr>
-              <a:lnSpc>
-                <a:spcPts val="2500"/>
-              </a:lnSpc>
-              <a:spcBef>
-                <a:spcPts val="600"/>
-              </a:spcBef>
-            </a:pPr>
-            <a:r>
-              <a:rPr lang="en-US" sz="2000" dirty="0"/>
-              <a:t>Inform IPPM WG about the milestones (adoption, Last Call) as IOAM base work is done in IPPM</a:t>
+              <a:t>IOAM base work is done in IPPM WG</a:t>
             </a:r>
           </a:p>
           <a:p>
@@ -7461,7 +7508,7 @@
             </a:pPr>
             <a:r>
               <a:rPr lang="en-US" sz="1800" dirty="0"/>
-              <a:t>Transport In-situ OAM (IOAM) data fields with SR-MPLS Encapsulation</a:t>
+              <a:t>Transport In-situ OAM (IOAM) data fields with MPLS Encapsulation</a:t>
             </a:r>
           </a:p>
           <a:p>
@@ -8071,6 +8118,16 @@
             </a:pPr>
             <a:r>
               <a:rPr lang="en-CA" sz="2000" dirty="0"/>
+              <a:t>Any MPLS data plane encapsulation including SR</a:t>
+            </a:r>
+          </a:p>
+          <a:p>
+            <a:pPr lvl="1">
+              <a:buFont typeface="Wingdings" pitchFamily="2" charset="2"/>
+              <a:buChar char="ü"/>
+            </a:pPr>
+            <a:r>
+              <a:rPr lang="en-CA" sz="2000" dirty="0"/>
               <a:t>Added procedure for hop-by-hop IOAM</a:t>
             </a:r>
           </a:p>
@@ -8513,7 +8570,7 @@
               <a:rPr lang="en-CA" sz="1000" dirty="0">
                 <a:latin typeface="Courier" pitchFamily="2" charset="0"/>
               </a:rPr>
-              <a:t>   |                 Payload + Padding (L2/L3/ESP/...)             |</a:t>
+              <a:t>   |                 Payload + Padding                             |</a:t>
             </a:r>
           </a:p>
           <a:p>
@@ -9160,7 +9217,7 @@
               <a:rPr lang="en-CA" sz="1000" dirty="0">
                 <a:latin typeface="Courier" pitchFamily="2" charset="0"/>
               </a:rPr>
-              <a:t>   |                 Payload + Padding (L2/L3/ESP/...)             |</a:t>
+              <a:t>   |                 Payload + Padding                             |</a:t>
             </a:r>
           </a:p>
           <a:p>

--- a/draft-gandhi-mpls-ioam-sr-02.pptx
+++ b/draft-gandhi-mpls-ioam-sr-02.pptx
@@ -5,10 +5,10 @@
     <p:sldMasterId id="2147483648" r:id="rId1"/>
   </p:sldMasterIdLst>
   <p:notesMasterIdLst>
-    <p:notesMasterId r:id="rId18"/>
+    <p:notesMasterId r:id="rId21"/>
   </p:notesMasterIdLst>
   <p:handoutMasterIdLst>
-    <p:handoutMasterId r:id="rId19"/>
+    <p:handoutMasterId r:id="rId22"/>
   </p:handoutMasterIdLst>
   <p:sldIdLst>
     <p:sldId id="256" r:id="rId2"/>
@@ -24,9 +24,12 @@
     <p:sldId id="1662" r:id="rId12"/>
     <p:sldId id="1663" r:id="rId13"/>
     <p:sldId id="320" r:id="rId14"/>
-    <p:sldId id="1661" r:id="rId15"/>
-    <p:sldId id="303" r:id="rId16"/>
-    <p:sldId id="1660" r:id="rId17"/>
+    <p:sldId id="1667" r:id="rId15"/>
+    <p:sldId id="1666" r:id="rId16"/>
+    <p:sldId id="1661" r:id="rId17"/>
+    <p:sldId id="303" r:id="rId18"/>
+    <p:sldId id="1660" r:id="rId19"/>
+    <p:sldId id="1665" r:id="rId20"/>
   </p:sldIdLst>
   <p:sldSz cx="9144000" cy="5143500" type="screen16x9"/>
   <p:notesSz cx="6858000" cy="9144000"/>
@@ -259,7 +262,7 @@
           <a:p>
             <a:fld id="{E8FA3DB5-7722-3F4F-947D-12B203669AD7}" type="datetimeFigureOut">
               <a:rPr lang="en-US" smtClean="0"/>
-              <a:t>3/17/20</a:t>
+              <a:t>4/4/20</a:t>
             </a:fld>
             <a:endParaRPr lang="en-US"/>
           </a:p>
@@ -1127,7 +1130,7 @@
               <a:pPr>
                 <a:defRPr/>
               </a:pPr>
-              <a:t>14</a:t>
+              <a:t>16</a:t>
             </a:fld>
             <a:endParaRPr lang="en-US" altLang="zh-CN"/>
           </a:p>
@@ -1217,7 +1220,7 @@
               <a:pPr>
                 <a:defRPr/>
               </a:pPr>
-              <a:t>15</a:t>
+              <a:t>17</a:t>
             </a:fld>
             <a:endParaRPr lang="en-US" altLang="zh-CN"/>
           </a:p>
@@ -1307,7 +1310,7 @@
               <a:pPr>
                 <a:defRPr/>
               </a:pPr>
-              <a:t>16</a:t>
+              <a:t>18</a:t>
             </a:fld>
             <a:endParaRPr lang="en-US" altLang="zh-CN"/>
           </a:p>
@@ -1317,6 +1320,96 @@
     <p:extLst>
       <p:ext uri="{BB962C8B-B14F-4D97-AF65-F5344CB8AC3E}">
         <p14:creationId xmlns:p14="http://schemas.microsoft.com/office/powerpoint/2010/main" val="1820429858"/>
+      </p:ext>
+    </p:extLst>
+  </p:cSld>
+  <p:clrMapOvr>
+    <a:masterClrMapping/>
+  </p:clrMapOvr>
+</p:notes>
+</file>
+
+<file path=ppt/notesSlides/notesSlide15.xml><?xml version="1.0" encoding="utf-8"?>
+<p:notes xmlns:a="http://schemas.openxmlformats.org/drawingml/2006/main" xmlns:r="http://schemas.openxmlformats.org/officeDocument/2006/relationships" xmlns:p="http://schemas.openxmlformats.org/presentationml/2006/main">
+  <p:cSld>
+    <p:spTree>
+      <p:nvGrpSpPr>
+        <p:cNvPr id="1" name=""/>
+        <p:cNvGrpSpPr/>
+        <p:nvPr/>
+      </p:nvGrpSpPr>
+      <p:grpSpPr>
+        <a:xfrm>
+          <a:off x="0" y="0"/>
+          <a:ext cx="0" cy="0"/>
+          <a:chOff x="0" y="0"/>
+          <a:chExt cx="0" cy="0"/>
+        </a:xfrm>
+      </p:grpSpPr>
+      <p:sp>
+        <p:nvSpPr>
+          <p:cNvPr id="2" name="Slide Image Placeholder 1"/>
+          <p:cNvSpPr>
+            <a:spLocks noGrp="1" noRot="1" noChangeAspect="1"/>
+          </p:cNvSpPr>
+          <p:nvPr>
+            <p:ph type="sldImg"/>
+          </p:nvPr>
+        </p:nvSpPr>
+        <p:spPr/>
+      </p:sp>
+      <p:sp>
+        <p:nvSpPr>
+          <p:cNvPr id="3" name="Notes Placeholder 2"/>
+          <p:cNvSpPr>
+            <a:spLocks noGrp="1"/>
+          </p:cNvSpPr>
+          <p:nvPr>
+            <p:ph type="body" idx="1"/>
+          </p:nvPr>
+        </p:nvSpPr>
+        <p:spPr/>
+        <p:txBody>
+          <a:bodyPr/>
+          <a:lstStyle/>
+          <a:p>
+            <a:endParaRPr lang="en-US" dirty="0"/>
+          </a:p>
+        </p:txBody>
+      </p:sp>
+      <p:sp>
+        <p:nvSpPr>
+          <p:cNvPr id="4" name="Slide Number Placeholder 3"/>
+          <p:cNvSpPr>
+            <a:spLocks noGrp="1"/>
+          </p:cNvSpPr>
+          <p:nvPr>
+            <p:ph type="sldNum" sz="quarter" idx="10"/>
+          </p:nvPr>
+        </p:nvSpPr>
+        <p:spPr/>
+        <p:txBody>
+          <a:bodyPr/>
+          <a:lstStyle/>
+          <a:p>
+            <a:pPr>
+              <a:defRPr/>
+            </a:pPr>
+            <a:fld id="{100938BD-FD70-4535-B0C2-13FC38CDF1BE}" type="slidenum">
+              <a:rPr lang="en-US" altLang="zh-CN" smtClean="0"/>
+              <a:pPr>
+                <a:defRPr/>
+              </a:pPr>
+              <a:t>19</a:t>
+            </a:fld>
+            <a:endParaRPr lang="en-US" altLang="zh-CN"/>
+          </a:p>
+        </p:txBody>
+      </p:sp>
+    </p:spTree>
+    <p:extLst>
+      <p:ext uri="{BB962C8B-B14F-4D97-AF65-F5344CB8AC3E}">
+        <p14:creationId xmlns:p14="http://schemas.microsoft.com/office/powerpoint/2010/main" val="1987724756"/>
       </p:ext>
     </p:extLst>
   </p:cSld>
@@ -5638,20 +5731,9 @@
           <a:bodyPr/>
           <a:lstStyle/>
           <a:p>
-            <a:pPr>
-              <a:defRPr/>
-            </a:pPr>
-            <a:r>
-              <a:rPr lang="en-US" altLang="zh-CN" dirty="0"/>
-              <a:t>107</a:t>
-            </a:r>
-            <a:r>
-              <a:rPr lang="en-US" altLang="zh-CN" baseline="30000" dirty="0"/>
-              <a:t>th</a:t>
-            </a:r>
-            <a:r>
-              <a:rPr lang="en-US" altLang="zh-CN" dirty="0"/>
-              <a:t> IETF @ Vancouver</a:t>
+            <a:r>
+              <a:rPr lang="en-CA" dirty="0"/>
+              <a:t>IETF MPLS WG Interim – April 2020 </a:t>
             </a:r>
           </a:p>
         </p:txBody>
@@ -5832,20 +5914,9 @@
           <a:bodyPr/>
           <a:lstStyle/>
           <a:p>
-            <a:pPr>
-              <a:defRPr/>
-            </a:pPr>
-            <a:r>
-              <a:rPr lang="en-US" altLang="zh-CN" dirty="0"/>
-              <a:t>107</a:t>
-            </a:r>
-            <a:r>
-              <a:rPr lang="en-US" altLang="zh-CN" baseline="30000" dirty="0"/>
-              <a:t>th</a:t>
-            </a:r>
-            <a:r>
-              <a:rPr lang="en-US" altLang="zh-CN" dirty="0"/>
-              <a:t> IETF @ Vancouver</a:t>
+            <a:r>
+              <a:rPr lang="en-CA" dirty="0"/>
+              <a:t>IETF MPLS WG Interim – April 2020 </a:t>
             </a:r>
           </a:p>
         </p:txBody>
@@ -6051,20 +6122,9 @@
           <a:bodyPr/>
           <a:lstStyle/>
           <a:p>
-            <a:pPr>
-              <a:defRPr/>
-            </a:pPr>
-            <a:r>
-              <a:rPr lang="en-US" altLang="zh-CN" dirty="0"/>
-              <a:t>107</a:t>
-            </a:r>
-            <a:r>
-              <a:rPr lang="en-US" altLang="zh-CN" baseline="30000" dirty="0"/>
-              <a:t>th</a:t>
-            </a:r>
-            <a:r>
-              <a:rPr lang="en-US" altLang="zh-CN" dirty="0"/>
-              <a:t> IETF @ Vancouver</a:t>
+            <a:r>
+              <a:rPr lang="en-CA" dirty="0"/>
+              <a:t>IETF MPLS WG Interim – April 2020 </a:t>
             </a:r>
           </a:p>
         </p:txBody>
@@ -6266,20 +6326,9 @@
           <a:bodyPr/>
           <a:lstStyle/>
           <a:p>
-            <a:pPr>
-              <a:defRPr/>
-            </a:pPr>
-            <a:r>
-              <a:rPr lang="en-US" altLang="zh-CN" dirty="0"/>
-              <a:t>107</a:t>
-            </a:r>
-            <a:r>
-              <a:rPr lang="en-US" altLang="zh-CN" baseline="30000" dirty="0"/>
-              <a:t>th</a:t>
-            </a:r>
-            <a:r>
-              <a:rPr lang="en-US" altLang="zh-CN" dirty="0"/>
-              <a:t> IETF @ Vancouver</a:t>
+            <a:r>
+              <a:rPr lang="en-CA" dirty="0"/>
+              <a:t>IETF MPLS WG Interim – April 2020 </a:t>
             </a:r>
           </a:p>
         </p:txBody>
@@ -6475,20 +6524,9 @@
           <a:bodyPr/>
           <a:lstStyle/>
           <a:p>
-            <a:pPr>
-              <a:defRPr/>
-            </a:pPr>
-            <a:r>
-              <a:rPr lang="en-US" altLang="zh-CN" dirty="0"/>
-              <a:t>107</a:t>
-            </a:r>
-            <a:r>
-              <a:rPr lang="en-US" altLang="zh-CN" baseline="30000" dirty="0"/>
-              <a:t>th</a:t>
-            </a:r>
-            <a:r>
-              <a:rPr lang="en-US" altLang="zh-CN" dirty="0"/>
-              <a:t> IETF @ Vancouver</a:t>
+            <a:r>
+              <a:rPr lang="en-CA" dirty="0"/>
+              <a:t>IETF MPLS WG Interim – April 2020 </a:t>
             </a:r>
           </a:p>
         </p:txBody>
@@ -6554,7 +6592,13 @@
       </p:grpSpPr>
       <p:sp>
         <p:nvSpPr>
-          <p:cNvPr id="2" name="Title 1"/>
+          <p:cNvPr id="2" name="Title 1">
+            <a:extLst>
+              <a:ext uri="{FF2B5EF4-FFF2-40B4-BE49-F238E27FC236}">
+                <a16:creationId xmlns:a16="http://schemas.microsoft.com/office/drawing/2014/main" id="{590D0125-5A9E-9D48-9391-85FBD0E608A2}"/>
+              </a:ext>
+            </a:extLst>
+          </p:cNvPr>
           <p:cNvSpPr>
             <a:spLocks noGrp="1"/>
           </p:cNvSpPr>
@@ -6564,80 +6608,54 @@
         </p:nvSpPr>
         <p:spPr>
           <a:xfrm>
-            <a:off x="457200" y="38100"/>
-            <a:ext cx="8229600" cy="857250"/>
+            <a:off x="76200" y="-17621"/>
+            <a:ext cx="9067800" cy="599270"/>
           </a:xfrm>
         </p:spPr>
         <p:txBody>
           <a:bodyPr/>
           <a:lstStyle/>
           <a:p>
-            <a:r>
-              <a:rPr lang="en-US" sz="3600" dirty="0">
+            <a:pPr algn="l"/>
+            <a:r>
+              <a:rPr lang="en-CA" sz="2700" dirty="0">
                 <a:solidFill>
                   <a:srgbClr val="0070C0"/>
                 </a:solidFill>
                 <a:latin typeface="Calibri Light" panose="020F0302020204030204" pitchFamily="34" charset="0"/>
                 <a:cs typeface="Calibri Light" panose="020F0302020204030204" pitchFamily="34" charset="0"/>
               </a:rPr>
-              <a:t>Next Steps</a:t>
-            </a:r>
-          </a:p>
-        </p:txBody>
-      </p:sp>
-      <p:sp>
-        <p:nvSpPr>
-          <p:cNvPr id="3" name="Content Placeholder 2"/>
-          <p:cNvSpPr>
-            <a:spLocks noGrp="1"/>
-          </p:cNvSpPr>
-          <p:nvPr>
-            <p:ph idx="1"/>
+              <a:t>IOAM Data Field Encapsulation Example with SR-MPLS Header</a:t>
+            </a:r>
+            <a:endParaRPr lang="en-US" sz="2700" dirty="0">
+              <a:solidFill>
+                <a:srgbClr val="0070C0"/>
+              </a:solidFill>
+              <a:latin typeface="Calibri Light" panose="020F0302020204030204" pitchFamily="34" charset="0"/>
+              <a:cs typeface="Calibri Light" panose="020F0302020204030204" pitchFamily="34" charset="0"/>
+            </a:endParaRPr>
+          </a:p>
+        </p:txBody>
+      </p:sp>
+      <p:sp>
+        <p:nvSpPr>
+          <p:cNvPr id="4" name="Footer Placeholder 3">
+            <a:extLst>
+              <a:ext uri="{FF2B5EF4-FFF2-40B4-BE49-F238E27FC236}">
+                <a16:creationId xmlns:a16="http://schemas.microsoft.com/office/drawing/2014/main" id="{87713FCD-3B47-804D-B373-DAB61FB5FF59}"/>
+              </a:ext>
+            </a:extLst>
+          </p:cNvPr>
+          <p:cNvSpPr>
+            <a:spLocks noGrp="1"/>
+          </p:cNvSpPr>
+          <p:nvPr>
+            <p:ph type="ftr" sz="quarter" idx="11"/>
           </p:nvPr>
         </p:nvSpPr>
         <p:spPr>
           <a:xfrm>
-            <a:off x="762000" y="1200150"/>
-            <a:ext cx="7772400" cy="2971800"/>
-          </a:xfrm>
-        </p:spPr>
-        <p:txBody>
-          <a:bodyPr/>
-          <a:lstStyle/>
-          <a:p>
-            <a:pPr lvl="0"/>
-            <a:r>
-              <a:rPr lang="en-US" sz="2400" dirty="0">
-                <a:latin typeface="Calibri" charset="0"/>
-                <a:ea typeface="Calibri" charset="0"/>
-                <a:cs typeface="Calibri" charset="0"/>
-              </a:rPr>
-              <a:t>Welcome your comments and suggestions</a:t>
-            </a:r>
-          </a:p>
-          <a:p>
-            <a:pPr lvl="0"/>
-            <a:endParaRPr lang="en-US" sz="2400" dirty="0">
-              <a:latin typeface="Calibri" charset="0"/>
-              <a:ea typeface="Calibri" charset="0"/>
-              <a:cs typeface="Calibri" charset="0"/>
-            </a:endParaRPr>
-          </a:p>
-        </p:txBody>
-      </p:sp>
-      <p:sp>
-        <p:nvSpPr>
-          <p:cNvPr id="4" name="Footer Placeholder 3"/>
-          <p:cNvSpPr>
-            <a:spLocks noGrp="1"/>
-          </p:cNvSpPr>
-          <p:nvPr>
-            <p:ph type="ftr" sz="quarter" idx="11"/>
-          </p:nvPr>
-        </p:nvSpPr>
-        <p:spPr>
-          <a:xfrm>
-            <a:off x="3124200" y="4786312"/>
+            <a:off x="3124200" y="4781550"/>
             <a:ext cx="2895600" cy="357188"/>
           </a:xfrm>
         </p:spPr>
@@ -6645,27 +6663,22 @@
           <a:bodyPr/>
           <a:lstStyle/>
           <a:p>
-            <a:pPr>
-              <a:defRPr/>
-            </a:pPr>
-            <a:r>
-              <a:rPr lang="en-US" altLang="zh-CN" dirty="0"/>
-              <a:t>107</a:t>
-            </a:r>
-            <a:r>
-              <a:rPr lang="en-US" altLang="zh-CN" baseline="30000" dirty="0"/>
-              <a:t>th</a:t>
-            </a:r>
-            <a:r>
-              <a:rPr lang="en-US" altLang="zh-CN" dirty="0"/>
-              <a:t> IETF @ Vancouver</a:t>
-            </a:r>
-          </a:p>
-        </p:txBody>
-      </p:sp>
-      <p:sp>
-        <p:nvSpPr>
-          <p:cNvPr id="5" name="Slide Number Placeholder 4"/>
+            <a:r>
+              <a:rPr lang="en-CA" dirty="0"/>
+              <a:t>IETF MPLS WG Interim – April 2020 </a:t>
+            </a:r>
+          </a:p>
+        </p:txBody>
+      </p:sp>
+      <p:sp>
+        <p:nvSpPr>
+          <p:cNvPr id="5" name="Slide Number Placeholder 4">
+            <a:extLst>
+              <a:ext uri="{FF2B5EF4-FFF2-40B4-BE49-F238E27FC236}">
+                <a16:creationId xmlns:a16="http://schemas.microsoft.com/office/drawing/2014/main" id="{1371408B-9195-EC4D-8131-A3F5CC0592D0}"/>
+              </a:ext>
+            </a:extLst>
+          </p:cNvPr>
           <p:cNvSpPr>
             <a:spLocks noGrp="1"/>
           </p:cNvSpPr>
@@ -6692,10 +6705,281 @@
           </a:p>
         </p:txBody>
       </p:sp>
+      <p:sp>
+        <p:nvSpPr>
+          <p:cNvPr id="6" name="Rectangle 5">
+            <a:extLst>
+              <a:ext uri="{FF2B5EF4-FFF2-40B4-BE49-F238E27FC236}">
+                <a16:creationId xmlns:a16="http://schemas.microsoft.com/office/drawing/2014/main" id="{1EED4007-3A19-0E4E-8496-6CECEEA363EB}"/>
+              </a:ext>
+            </a:extLst>
+          </p:cNvPr>
+          <p:cNvSpPr/>
+          <p:nvPr/>
+        </p:nvSpPr>
+        <p:spPr>
+          <a:xfrm>
+            <a:off x="1828800" y="627191"/>
+            <a:ext cx="5257800" cy="4108817"/>
+          </a:xfrm>
+          <a:prstGeom prst="rect">
+            <a:avLst/>
+          </a:prstGeom>
+          <a:solidFill>
+            <a:schemeClr val="accent6">
+              <a:lumMod val="20000"/>
+              <a:lumOff val="80000"/>
+            </a:schemeClr>
+          </a:solidFill>
+        </p:spPr>
+        <p:txBody>
+          <a:bodyPr wrap="square">
+            <a:spAutoFit/>
+          </a:bodyPr>
+          <a:lstStyle/>
+          <a:p>
+            <a:r>
+              <a:rPr lang="en-CA" sz="900" dirty="0">
+                <a:latin typeface="Courier" pitchFamily="2" charset="0"/>
+              </a:rPr>
+              <a:t>    0                   1                   2                   3</a:t>
+            </a:r>
+          </a:p>
+          <a:p>
+            <a:r>
+              <a:rPr lang="en-CA" sz="900" dirty="0">
+                <a:latin typeface="Courier" pitchFamily="2" charset="0"/>
+              </a:rPr>
+              <a:t>    0 1 2 3 4 5 6 7 8 9 0 1 2 3 4 5 6 7 8 9 0 1 2 3 4 5 6 7 8 9 0 1</a:t>
+            </a:r>
+          </a:p>
+          <a:p>
+            <a:r>
+              <a:rPr lang="en-CA" sz="900" dirty="0">
+                <a:latin typeface="Courier" pitchFamily="2" charset="0"/>
+              </a:rPr>
+              <a:t>   +-+-+-+-+-+-+-+-+-+-+-+-+-+-+-+-+-+-+-+-+-+-+-+-+-+-+-+-+-+-+-+-+</a:t>
+            </a:r>
+          </a:p>
+          <a:p>
+            <a:r>
+              <a:rPr lang="en-CA" sz="900" dirty="0">
+                <a:latin typeface="Courier" pitchFamily="2" charset="0"/>
+              </a:rPr>
+              <a:t>   |                Label(1)               | TC  |S|      TTL      |</a:t>
+            </a:r>
+          </a:p>
+          <a:p>
+            <a:r>
+              <a:rPr lang="en-CA" sz="900" dirty="0">
+                <a:latin typeface="Courier" pitchFamily="2" charset="0"/>
+              </a:rPr>
+              <a:t>   +-+-+-+-+-+-+-+-+-+-+-+-+-+-+-+-+-+-+-+-+-+-+-+-+-+-+-+-+-+-+-+-+</a:t>
+            </a:r>
+          </a:p>
+          <a:p>
+            <a:r>
+              <a:rPr lang="en-CA" sz="900" dirty="0">
+                <a:latin typeface="Courier" pitchFamily="2" charset="0"/>
+              </a:rPr>
+              <a:t>   .                                                               .</a:t>
+            </a:r>
+          </a:p>
+          <a:p>
+            <a:r>
+              <a:rPr lang="en-CA" sz="900" dirty="0">
+                <a:latin typeface="Courier" pitchFamily="2" charset="0"/>
+              </a:rPr>
+              <a:t>   .                                                               .</a:t>
+            </a:r>
+          </a:p>
+          <a:p>
+            <a:r>
+              <a:rPr lang="en-CA" sz="900" dirty="0">
+                <a:latin typeface="Courier" pitchFamily="2" charset="0"/>
+              </a:rPr>
+              <a:t>   .                                                               .</a:t>
+            </a:r>
+          </a:p>
+          <a:p>
+            <a:r>
+              <a:rPr lang="en-CA" sz="900" dirty="0">
+                <a:latin typeface="Courier" pitchFamily="2" charset="0"/>
+              </a:rPr>
+              <a:t>   +-+-+-+-+-+-+-+-+-+-+-+-+-+-+-+-+-+-+-+-+-+-+-+-+-+-+-+-+-+-+-+-+</a:t>
+            </a:r>
+          </a:p>
+          <a:p>
+            <a:r>
+              <a:rPr lang="en-CA" sz="900" dirty="0">
+                <a:latin typeface="Courier" pitchFamily="2" charset="0"/>
+              </a:rPr>
+              <a:t>   |                Label(n)               | TC  |S|      TTL      |</a:t>
+            </a:r>
+          </a:p>
+          <a:p>
+            <a:r>
+              <a:rPr lang="en-CA" sz="900" dirty="0">
+                <a:latin typeface="Courier" pitchFamily="2" charset="0"/>
+              </a:rPr>
+              <a:t>   +-+-+-+-+-+-+-+-+-+-+-+-+-+-+-+-+-+-+-+-+-+-+-+-+-+-+-+-+-+-+-+-+</a:t>
+            </a:r>
+          </a:p>
+          <a:p>
+            <a:r>
+              <a:rPr lang="en-CA" sz="900" dirty="0">
+                <a:latin typeface="Courier" pitchFamily="2" charset="0"/>
+              </a:rPr>
+              <a:t>   |                PSID                   | TC  |S|      TTL      | </a:t>
+            </a:r>
+          </a:p>
+          <a:p>
+            <a:r>
+              <a:rPr lang="en-CA" sz="900" dirty="0">
+                <a:latin typeface="Courier" pitchFamily="2" charset="0"/>
+              </a:rPr>
+              <a:t>   +-+-+-+-+-+-+-+-+-+-+-+-+-+-+-+-+-+-+-+-+-+-+-+-+-+-+-+-+-+-+-+-+</a:t>
+            </a:r>
+          </a:p>
+          <a:p>
+            <a:r>
+              <a:rPr lang="en-CA" sz="900" dirty="0">
+                <a:latin typeface="Courier" pitchFamily="2" charset="0"/>
+              </a:rPr>
+              <a:t>   |  IOAM Indicator Label                 | TC  |1|  TTL          |</a:t>
+            </a:r>
+          </a:p>
+          <a:p>
+            <a:r>
+              <a:rPr lang="en-CA" sz="900" dirty="0">
+                <a:latin typeface="Courier" pitchFamily="2" charset="0"/>
+              </a:rPr>
+              <a:t>   +-+-+-+-+-+-+-+-+-+-+-+-+-+-+-+-+-+-+-+-+-+-+-+-+-+-+-+-+-+-+-+-+&lt;-+ </a:t>
+            </a:r>
+          </a:p>
+          <a:p>
+            <a:r>
+              <a:rPr lang="en-CA" sz="900" dirty="0">
+                <a:latin typeface="Courier" pitchFamily="2" charset="0"/>
+              </a:rPr>
+              <a:t>   |  IOAM-Type    | IOAM HDR LEN  |    RESERVED                   |  |</a:t>
+            </a:r>
+          </a:p>
+          <a:p>
+            <a:r>
+              <a:rPr lang="en-CA" sz="900" dirty="0">
+                <a:latin typeface="Courier" pitchFamily="2" charset="0"/>
+              </a:rPr>
+              <a:t>   +-+-+-+-+-+-+-+-+-+-+-+-+-+-+-+-+-+-+-+-+-+-+-+-+-+-+-+-+-+-+-+-+  I</a:t>
+            </a:r>
+          </a:p>
+          <a:p>
+            <a:r>
+              <a:rPr lang="en-CA" sz="900" dirty="0">
+                <a:latin typeface="Courier" pitchFamily="2" charset="0"/>
+              </a:rPr>
+              <a:t>   |                                                               |  O</a:t>
+            </a:r>
+          </a:p>
+          <a:p>
+            <a:r>
+              <a:rPr lang="en-CA" sz="900" dirty="0">
+                <a:latin typeface="Courier" pitchFamily="2" charset="0"/>
+              </a:rPr>
+              <a:t>   |                                                               |  A</a:t>
+            </a:r>
+          </a:p>
+          <a:p>
+            <a:r>
+              <a:rPr lang="en-CA" sz="900" dirty="0">
+                <a:latin typeface="Courier" pitchFamily="2" charset="0"/>
+              </a:rPr>
+              <a:t>   ~                 IOAM Option and Data Space                    ~  M</a:t>
+            </a:r>
+          </a:p>
+          <a:p>
+            <a:r>
+              <a:rPr lang="en-CA" sz="900" dirty="0">
+                <a:latin typeface="Courier" pitchFamily="2" charset="0"/>
+              </a:rPr>
+              <a:t>   |                                                               |  |</a:t>
+            </a:r>
+          </a:p>
+          <a:p>
+            <a:r>
+              <a:rPr lang="en-CA" sz="900" dirty="0">
+                <a:latin typeface="Courier" pitchFamily="2" charset="0"/>
+              </a:rPr>
+              <a:t>   |                                                               |  |</a:t>
+            </a:r>
+          </a:p>
+          <a:p>
+            <a:r>
+              <a:rPr lang="en-CA" sz="900" dirty="0">
+                <a:latin typeface="Courier" pitchFamily="2" charset="0"/>
+              </a:rPr>
+              <a:t>   +-+-+-+-+-+-+-+-+-+-+-+-+-+-+-+-+-+-+-+-+-+-+-+-+-+-+-+-+-+-+-+-+&lt;-+</a:t>
+            </a:r>
+          </a:p>
+          <a:p>
+            <a:r>
+              <a:rPr lang="en-CA" sz="900" dirty="0">
+                <a:latin typeface="Courier" pitchFamily="2" charset="0"/>
+              </a:rPr>
+              <a:t>   |                                                               |</a:t>
+            </a:r>
+          </a:p>
+          <a:p>
+            <a:r>
+              <a:rPr lang="en-CA" sz="900" dirty="0">
+                <a:latin typeface="Courier" pitchFamily="2" charset="0"/>
+              </a:rPr>
+              <a:t>   ~                 Payload + Padding                             ~</a:t>
+            </a:r>
+          </a:p>
+          <a:p>
+            <a:r>
+              <a:rPr lang="en-CA" sz="900" dirty="0">
+                <a:latin typeface="Courier" pitchFamily="2" charset="0"/>
+              </a:rPr>
+              <a:t>   |                                                               |</a:t>
+            </a:r>
+          </a:p>
+          <a:p>
+            <a:r>
+              <a:rPr lang="en-CA" sz="900" dirty="0">
+                <a:latin typeface="Courier" pitchFamily="2" charset="0"/>
+              </a:rPr>
+              <a:t>   +-+-+-+-+-+-+-+-+-+-+-+-+-+-+-+-+-+-+-+-+-+-+-+-+-+-+-+-+-+-+-+-+</a:t>
+            </a:r>
+          </a:p>
+          <a:p>
+            <a:r>
+              <a:rPr lang="en-CA" sz="900" dirty="0">
+                <a:latin typeface="Courier" pitchFamily="2" charset="0"/>
+              </a:rPr>
+              <a:t> </a:t>
+            </a:r>
+          </a:p>
+          <a:p>
+            <a:r>
+              <a:rPr lang="en-CA" sz="900" dirty="0">
+                <a:latin typeface="Courier" pitchFamily="2" charset="0"/>
+              </a:rPr>
+              <a:t>           Figure: IOAM Encapsulation in MPLS Header Example</a:t>
+            </a:r>
+            <a:endParaRPr lang="en-CA" sz="900" dirty="0">
+              <a:latin typeface="Courier" pitchFamily="2" charset="0"/>
+              <a:ea typeface="Calibri" panose="020F0502020204030204" pitchFamily="34" charset="0"/>
+              <a:cs typeface="Times New Roman" panose="02020603050405020304" pitchFamily="18" charset="0"/>
+            </a:endParaRPr>
+          </a:p>
+        </p:txBody>
+      </p:sp>
     </p:spTree>
     <p:extLst>
       <p:ext uri="{BB962C8B-B14F-4D97-AF65-F5344CB8AC3E}">
-        <p14:creationId xmlns:p14="http://schemas.microsoft.com/office/powerpoint/2010/main" val="2437508484"/>
+        <p14:creationId xmlns:p14="http://schemas.microsoft.com/office/powerpoint/2010/main" val="1689742401"/>
       </p:ext>
     </p:extLst>
   </p:cSld>
@@ -6724,6 +7008,597 @@
       </p:grpSpPr>
       <p:sp>
         <p:nvSpPr>
+          <p:cNvPr id="2" name="Title 1">
+            <a:extLst>
+              <a:ext uri="{FF2B5EF4-FFF2-40B4-BE49-F238E27FC236}">
+                <a16:creationId xmlns:a16="http://schemas.microsoft.com/office/drawing/2014/main" id="{590D0125-5A9E-9D48-9391-85FBD0E608A2}"/>
+              </a:ext>
+            </a:extLst>
+          </p:cNvPr>
+          <p:cNvSpPr>
+            <a:spLocks noGrp="1"/>
+          </p:cNvSpPr>
+          <p:nvPr>
+            <p:ph type="title"/>
+          </p:nvPr>
+        </p:nvSpPr>
+        <p:spPr>
+          <a:xfrm>
+            <a:off x="76200" y="-17621"/>
+            <a:ext cx="9067800" cy="599270"/>
+          </a:xfrm>
+        </p:spPr>
+        <p:txBody>
+          <a:bodyPr/>
+          <a:lstStyle/>
+          <a:p>
+            <a:pPr algn="l"/>
+            <a:r>
+              <a:rPr lang="en-CA" sz="2700" dirty="0">
+                <a:solidFill>
+                  <a:srgbClr val="0070C0"/>
+                </a:solidFill>
+                <a:latin typeface="Calibri Light" panose="020F0302020204030204" pitchFamily="34" charset="0"/>
+                <a:cs typeface="Calibri Light" panose="020F0302020204030204" pitchFamily="34" charset="0"/>
+              </a:rPr>
+              <a:t>IOAM Data Field Encapsulation Example with SR-MPLS Header</a:t>
+            </a:r>
+            <a:endParaRPr lang="en-US" sz="2700" dirty="0">
+              <a:solidFill>
+                <a:srgbClr val="0070C0"/>
+              </a:solidFill>
+              <a:latin typeface="Calibri Light" panose="020F0302020204030204" pitchFamily="34" charset="0"/>
+              <a:cs typeface="Calibri Light" panose="020F0302020204030204" pitchFamily="34" charset="0"/>
+            </a:endParaRPr>
+          </a:p>
+        </p:txBody>
+      </p:sp>
+      <p:sp>
+        <p:nvSpPr>
+          <p:cNvPr id="4" name="Footer Placeholder 3">
+            <a:extLst>
+              <a:ext uri="{FF2B5EF4-FFF2-40B4-BE49-F238E27FC236}">
+                <a16:creationId xmlns:a16="http://schemas.microsoft.com/office/drawing/2014/main" id="{87713FCD-3B47-804D-B373-DAB61FB5FF59}"/>
+              </a:ext>
+            </a:extLst>
+          </p:cNvPr>
+          <p:cNvSpPr>
+            <a:spLocks noGrp="1"/>
+          </p:cNvSpPr>
+          <p:nvPr>
+            <p:ph type="ftr" sz="quarter" idx="11"/>
+          </p:nvPr>
+        </p:nvSpPr>
+        <p:spPr>
+          <a:xfrm>
+            <a:off x="3124200" y="4781550"/>
+            <a:ext cx="2895600" cy="357188"/>
+          </a:xfrm>
+        </p:spPr>
+        <p:txBody>
+          <a:bodyPr/>
+          <a:lstStyle/>
+          <a:p>
+            <a:r>
+              <a:rPr lang="en-CA" dirty="0"/>
+              <a:t>IETF MPLS WG Interim – April 2020 </a:t>
+            </a:r>
+          </a:p>
+        </p:txBody>
+      </p:sp>
+      <p:sp>
+        <p:nvSpPr>
+          <p:cNvPr id="5" name="Slide Number Placeholder 4">
+            <a:extLst>
+              <a:ext uri="{FF2B5EF4-FFF2-40B4-BE49-F238E27FC236}">
+                <a16:creationId xmlns:a16="http://schemas.microsoft.com/office/drawing/2014/main" id="{1371408B-9195-EC4D-8131-A3F5CC0592D0}"/>
+              </a:ext>
+            </a:extLst>
+          </p:cNvPr>
+          <p:cNvSpPr>
+            <a:spLocks noGrp="1"/>
+          </p:cNvSpPr>
+          <p:nvPr>
+            <p:ph type="sldNum" sz="quarter" idx="12"/>
+          </p:nvPr>
+        </p:nvSpPr>
+        <p:spPr/>
+        <p:txBody>
+          <a:bodyPr/>
+          <a:lstStyle/>
+          <a:p>
+            <a:pPr>
+              <a:defRPr/>
+            </a:pPr>
+            <a:fld id="{BD6E0F59-1DD8-40FC-9C92-B6295CBA6CCA}" type="slidenum">
+              <a:rPr lang="en-US" altLang="zh-CN" smtClean="0"/>
+              <a:pPr>
+                <a:defRPr/>
+              </a:pPr>
+              <a:t>15</a:t>
+            </a:fld>
+            <a:endParaRPr lang="en-US" altLang="zh-CN"/>
+          </a:p>
+        </p:txBody>
+      </p:sp>
+      <p:sp>
+        <p:nvSpPr>
+          <p:cNvPr id="6" name="Rectangle 5">
+            <a:extLst>
+              <a:ext uri="{FF2B5EF4-FFF2-40B4-BE49-F238E27FC236}">
+                <a16:creationId xmlns:a16="http://schemas.microsoft.com/office/drawing/2014/main" id="{1EED4007-3A19-0E4E-8496-6CECEEA363EB}"/>
+              </a:ext>
+            </a:extLst>
+          </p:cNvPr>
+          <p:cNvSpPr/>
+          <p:nvPr/>
+        </p:nvSpPr>
+        <p:spPr>
+          <a:xfrm>
+            <a:off x="1905000" y="679280"/>
+            <a:ext cx="5257800" cy="4361827"/>
+          </a:xfrm>
+          <a:prstGeom prst="rect">
+            <a:avLst/>
+          </a:prstGeom>
+          <a:solidFill>
+            <a:schemeClr val="accent6">
+              <a:lumMod val="20000"/>
+              <a:lumOff val="80000"/>
+            </a:schemeClr>
+          </a:solidFill>
+        </p:spPr>
+        <p:txBody>
+          <a:bodyPr wrap="square">
+            <a:spAutoFit/>
+          </a:bodyPr>
+          <a:lstStyle/>
+          <a:p>
+            <a:r>
+              <a:rPr lang="en-CA" sz="900" dirty="0">
+                <a:latin typeface="Courier" pitchFamily="2" charset="0"/>
+              </a:rPr>
+              <a:t>    0                   1                   2                   3</a:t>
+            </a:r>
+          </a:p>
+          <a:p>
+            <a:r>
+              <a:rPr lang="en-CA" sz="900" dirty="0">
+                <a:latin typeface="Courier" pitchFamily="2" charset="0"/>
+              </a:rPr>
+              <a:t>    0 1 2 3 4 5 6 7 8 9 0 1 2 3 4 5 6 7 8 9 0 1 2 3 4 5 6 7 8 9 0 1</a:t>
+            </a:r>
+          </a:p>
+          <a:p>
+            <a:r>
+              <a:rPr lang="en-CA" sz="900" dirty="0">
+                <a:latin typeface="Courier" pitchFamily="2" charset="0"/>
+              </a:rPr>
+              <a:t>   +-+-+-+-+-+-+-+-+-+-+-+-+-+-+-+-+-+-+-+-+-+-+-+-+-+-+-+-+-+-+-+-+</a:t>
+            </a:r>
+          </a:p>
+          <a:p>
+            <a:r>
+              <a:rPr lang="en-CA" sz="900" dirty="0">
+                <a:latin typeface="Courier" pitchFamily="2" charset="0"/>
+              </a:rPr>
+              <a:t>   |                Label(1)               | TC  |S|      TTL      |</a:t>
+            </a:r>
+          </a:p>
+          <a:p>
+            <a:r>
+              <a:rPr lang="en-CA" sz="900" dirty="0">
+                <a:latin typeface="Courier" pitchFamily="2" charset="0"/>
+              </a:rPr>
+              <a:t>   +-+-+-+-+-+-+-+-+-+-+-+-+-+-+-+-+-+-+-+-+-+-+-+-+-+-+-+-+-+-+-+-+</a:t>
+            </a:r>
+          </a:p>
+          <a:p>
+            <a:r>
+              <a:rPr lang="en-CA" sz="900" dirty="0">
+                <a:latin typeface="Courier" pitchFamily="2" charset="0"/>
+              </a:rPr>
+              <a:t>   .                                                               .</a:t>
+            </a:r>
+          </a:p>
+          <a:p>
+            <a:r>
+              <a:rPr lang="en-CA" sz="900" dirty="0">
+                <a:latin typeface="Courier" pitchFamily="2" charset="0"/>
+              </a:rPr>
+              <a:t>   .                                                               .</a:t>
+            </a:r>
+          </a:p>
+          <a:p>
+            <a:r>
+              <a:rPr lang="en-CA" sz="900" dirty="0">
+                <a:latin typeface="Courier" pitchFamily="2" charset="0"/>
+              </a:rPr>
+              <a:t>   .                                                               .</a:t>
+            </a:r>
+          </a:p>
+          <a:p>
+            <a:r>
+              <a:rPr lang="en-CA" sz="900" dirty="0">
+                <a:latin typeface="Courier" pitchFamily="2" charset="0"/>
+              </a:rPr>
+              <a:t>   +-+-+-+-+-+-+-+-+-+-+-+-+-+-+-+-+-+-+-+-+-+-+-+-+-+-+-+-+-+-+-+-+</a:t>
+            </a:r>
+          </a:p>
+          <a:p>
+            <a:r>
+              <a:rPr lang="en-CA" sz="900" dirty="0">
+                <a:latin typeface="Courier" pitchFamily="2" charset="0"/>
+              </a:rPr>
+              <a:t>   |                Label(n)               | TC  |S|      TTL      |</a:t>
+            </a:r>
+          </a:p>
+          <a:p>
+            <a:r>
+              <a:rPr lang="en-CA" sz="900" dirty="0">
+                <a:latin typeface="Courier" pitchFamily="2" charset="0"/>
+              </a:rPr>
+              <a:t>   +-+-+-+-+-+-+-+-+-+-+-+-+-+-+-+-+-+-+-+-+-+-+-+-+-+-+-+-+-+-+-+-+</a:t>
+            </a:r>
+          </a:p>
+          <a:p>
+            <a:r>
+              <a:rPr lang="en-CA" sz="900" dirty="0">
+                <a:latin typeface="Courier" pitchFamily="2" charset="0"/>
+              </a:rPr>
+              <a:t>   |                PSID                   | TC  |S|      TTL      | </a:t>
+            </a:r>
+          </a:p>
+          <a:p>
+            <a:r>
+              <a:rPr lang="en-CA" sz="900" dirty="0">
+                <a:latin typeface="Courier" pitchFamily="2" charset="0"/>
+              </a:rPr>
+              <a:t>   +-+-+-+-+-+-+-+-+-+-+-+-+-+-+-+-+-+-+-+-+-+-+-+-+-+-+-+-+-+-+-+-+</a:t>
+            </a:r>
+          </a:p>
+          <a:p>
+            <a:r>
+              <a:rPr lang="en-CA" sz="900" dirty="0">
+                <a:latin typeface="Courier" pitchFamily="2" charset="0"/>
+              </a:rPr>
+              <a:t>   |  IOAM and Flow Indicator Label        | TC  |1|  TTL          |</a:t>
+            </a:r>
+          </a:p>
+          <a:p>
+            <a:r>
+              <a:rPr lang="en-CA" sz="900" dirty="0">
+                <a:latin typeface="Courier" pitchFamily="2" charset="0"/>
+              </a:rPr>
+              <a:t>   +-+-+-+-+-+-+-+-+-+-+-+-+-+-+-+-+-+-+-+-+-+-+-+-+-+-+-+-+-+-+-+-+</a:t>
+            </a:r>
+          </a:p>
+          <a:p>
+            <a:r>
+              <a:rPr lang="en-CA" sz="900" dirty="0">
+                <a:latin typeface="Courier" pitchFamily="2" charset="0"/>
+              </a:rPr>
+              <a:t>   |0 0 0 0|      Flow label                       | Block Number  |</a:t>
+            </a:r>
+          </a:p>
+          <a:p>
+            <a:r>
+              <a:rPr lang="en-CA" sz="900" dirty="0">
+                <a:latin typeface="Courier" pitchFamily="2" charset="0"/>
+              </a:rPr>
+              <a:t>   +-+-+-+-+-+-+-+-+-+-+-+-+-+-+-+-+-+-+-+-+-+-+-+-+-+-+-+-+-+-+-+-+&lt;-+ </a:t>
+            </a:r>
+          </a:p>
+          <a:p>
+            <a:r>
+              <a:rPr lang="en-CA" sz="900" dirty="0">
+                <a:latin typeface="Courier" pitchFamily="2" charset="0"/>
+              </a:rPr>
+              <a:t>   |  IOAM-Type    | IOAM HDR LEN  |    RESERVED                   |  |</a:t>
+            </a:r>
+          </a:p>
+          <a:p>
+            <a:r>
+              <a:rPr lang="en-CA" sz="900" dirty="0">
+                <a:latin typeface="Courier" pitchFamily="2" charset="0"/>
+              </a:rPr>
+              <a:t>   +-+-+-+-+-+-+-+-+-+-+-+-+-+-+-+-+-+-+-+-+-+-+-+-+-+-+-+-+-+-+-+-+  I</a:t>
+            </a:r>
+          </a:p>
+          <a:p>
+            <a:r>
+              <a:rPr lang="en-CA" sz="900" dirty="0">
+                <a:latin typeface="Courier" pitchFamily="2" charset="0"/>
+              </a:rPr>
+              <a:t>   |                                                               |  O</a:t>
+            </a:r>
+          </a:p>
+          <a:p>
+            <a:r>
+              <a:rPr lang="en-CA" sz="900" dirty="0">
+                <a:latin typeface="Courier" pitchFamily="2" charset="0"/>
+              </a:rPr>
+              <a:t>   |                                                               |  A</a:t>
+            </a:r>
+          </a:p>
+          <a:p>
+            <a:r>
+              <a:rPr lang="en-CA" sz="900" dirty="0">
+                <a:latin typeface="Courier" pitchFamily="2" charset="0"/>
+              </a:rPr>
+              <a:t>   ~                 IOAM Option and Data Space                    ~  M</a:t>
+            </a:r>
+          </a:p>
+          <a:p>
+            <a:r>
+              <a:rPr lang="en-CA" sz="900" dirty="0">
+                <a:latin typeface="Courier" pitchFamily="2" charset="0"/>
+              </a:rPr>
+              <a:t>   |                                                               |  |</a:t>
+            </a:r>
+          </a:p>
+          <a:p>
+            <a:r>
+              <a:rPr lang="en-CA" sz="900" dirty="0">
+                <a:latin typeface="Courier" pitchFamily="2" charset="0"/>
+              </a:rPr>
+              <a:t>   |                                                               |  |</a:t>
+            </a:r>
+          </a:p>
+          <a:p>
+            <a:r>
+              <a:rPr lang="en-CA" sz="900" dirty="0">
+                <a:latin typeface="Courier" pitchFamily="2" charset="0"/>
+              </a:rPr>
+              <a:t>   +-+-+-+-+-+-+-+-+-+-+-+-+-+-+-+-+-+-+-+-+-+-+-+-+-+-+-+-+-+-+-+-+&lt;-+</a:t>
+            </a:r>
+          </a:p>
+          <a:p>
+            <a:r>
+              <a:rPr lang="en-CA" sz="900" dirty="0">
+                <a:latin typeface="Courier" pitchFamily="2" charset="0"/>
+              </a:rPr>
+              <a:t>   |                                                               |</a:t>
+            </a:r>
+          </a:p>
+          <a:p>
+            <a:r>
+              <a:rPr lang="en-CA" sz="900" dirty="0">
+                <a:latin typeface="Courier" pitchFamily="2" charset="0"/>
+              </a:rPr>
+              <a:t>   ~                 Payload + Padding                             ~</a:t>
+            </a:r>
+          </a:p>
+          <a:p>
+            <a:r>
+              <a:rPr lang="en-CA" sz="900" dirty="0">
+                <a:latin typeface="Courier" pitchFamily="2" charset="0"/>
+              </a:rPr>
+              <a:t>   |                                                               |</a:t>
+            </a:r>
+          </a:p>
+          <a:p>
+            <a:r>
+              <a:rPr lang="en-CA" sz="900" dirty="0">
+                <a:latin typeface="Courier" pitchFamily="2" charset="0"/>
+              </a:rPr>
+              <a:t>   +-+-+-+-+-+-+-+-+-+-+-+-+-+-+-+-+-+-+-+-+-+-+-+-+-+-+-+-+-+-+-+-+</a:t>
+            </a:r>
+          </a:p>
+          <a:p>
+            <a:r>
+              <a:rPr lang="en-CA" sz="900" dirty="0">
+                <a:latin typeface="Courier" pitchFamily="2" charset="0"/>
+              </a:rPr>
+              <a:t> </a:t>
+            </a:r>
+          </a:p>
+          <a:p>
+            <a:r>
+              <a:rPr lang="en-CA" sz="900" dirty="0">
+                <a:latin typeface="Courier" pitchFamily="2" charset="0"/>
+              </a:rPr>
+              <a:t>   Figure: IOAM Encapsulation with Flow Label in MPLS Header Example</a:t>
+            </a:r>
+            <a:endParaRPr lang="en-CA" sz="900" dirty="0">
+              <a:latin typeface="Courier" pitchFamily="2" charset="0"/>
+              <a:ea typeface="Calibri" panose="020F0502020204030204" pitchFamily="34" charset="0"/>
+              <a:cs typeface="Times New Roman" panose="02020603050405020304" pitchFamily="18" charset="0"/>
+            </a:endParaRPr>
+          </a:p>
+        </p:txBody>
+      </p:sp>
+    </p:spTree>
+    <p:extLst>
+      <p:ext uri="{BB962C8B-B14F-4D97-AF65-F5344CB8AC3E}">
+        <p14:creationId xmlns:p14="http://schemas.microsoft.com/office/powerpoint/2010/main" val="4269013418"/>
+      </p:ext>
+    </p:extLst>
+  </p:cSld>
+  <p:clrMapOvr>
+    <a:masterClrMapping/>
+  </p:clrMapOvr>
+</p:sld>
+</file>
+
+<file path=ppt/slides/slide16.xml><?xml version="1.0" encoding="utf-8"?>
+<p:sld xmlns:a="http://schemas.openxmlformats.org/drawingml/2006/main" xmlns:r="http://schemas.openxmlformats.org/officeDocument/2006/relationships" xmlns:p="http://schemas.openxmlformats.org/presentationml/2006/main">
+  <p:cSld>
+    <p:spTree>
+      <p:nvGrpSpPr>
+        <p:cNvPr id="1" name=""/>
+        <p:cNvGrpSpPr/>
+        <p:nvPr/>
+      </p:nvGrpSpPr>
+      <p:grpSpPr>
+        <a:xfrm>
+          <a:off x="0" y="0"/>
+          <a:ext cx="0" cy="0"/>
+          <a:chOff x="0" y="0"/>
+          <a:chExt cx="0" cy="0"/>
+        </a:xfrm>
+      </p:grpSpPr>
+      <p:sp>
+        <p:nvSpPr>
+          <p:cNvPr id="2" name="Title 1"/>
+          <p:cNvSpPr>
+            <a:spLocks noGrp="1"/>
+          </p:cNvSpPr>
+          <p:nvPr>
+            <p:ph type="title"/>
+          </p:nvPr>
+        </p:nvSpPr>
+        <p:spPr>
+          <a:xfrm>
+            <a:off x="457200" y="38100"/>
+            <a:ext cx="8229600" cy="857250"/>
+          </a:xfrm>
+        </p:spPr>
+        <p:txBody>
+          <a:bodyPr/>
+          <a:lstStyle/>
+          <a:p>
+            <a:r>
+              <a:rPr lang="en-US" sz="3600" dirty="0">
+                <a:solidFill>
+                  <a:srgbClr val="0070C0"/>
+                </a:solidFill>
+                <a:latin typeface="Calibri Light" panose="020F0302020204030204" pitchFamily="34" charset="0"/>
+                <a:cs typeface="Calibri Light" panose="020F0302020204030204" pitchFamily="34" charset="0"/>
+              </a:rPr>
+              <a:t>Next Steps</a:t>
+            </a:r>
+          </a:p>
+        </p:txBody>
+      </p:sp>
+      <p:sp>
+        <p:nvSpPr>
+          <p:cNvPr id="3" name="Content Placeholder 2"/>
+          <p:cNvSpPr>
+            <a:spLocks noGrp="1"/>
+          </p:cNvSpPr>
+          <p:nvPr>
+            <p:ph idx="1"/>
+          </p:nvPr>
+        </p:nvSpPr>
+        <p:spPr>
+          <a:xfrm>
+            <a:off x="762000" y="1200150"/>
+            <a:ext cx="7772400" cy="2971800"/>
+          </a:xfrm>
+        </p:spPr>
+        <p:txBody>
+          <a:bodyPr/>
+          <a:lstStyle/>
+          <a:p>
+            <a:pPr lvl="0"/>
+            <a:r>
+              <a:rPr lang="en-US" sz="2400" dirty="0">
+                <a:latin typeface="Calibri" charset="0"/>
+                <a:ea typeface="Calibri" charset="0"/>
+                <a:cs typeface="Calibri" charset="0"/>
+              </a:rPr>
+              <a:t>Welcome your comments and suggestions</a:t>
+            </a:r>
+          </a:p>
+          <a:p>
+            <a:pPr lvl="0"/>
+            <a:endParaRPr lang="en-US" sz="2400" dirty="0">
+              <a:latin typeface="Calibri" charset="0"/>
+              <a:ea typeface="Calibri" charset="0"/>
+              <a:cs typeface="Calibri" charset="0"/>
+            </a:endParaRPr>
+          </a:p>
+        </p:txBody>
+      </p:sp>
+      <p:sp>
+        <p:nvSpPr>
+          <p:cNvPr id="4" name="Footer Placeholder 3"/>
+          <p:cNvSpPr>
+            <a:spLocks noGrp="1"/>
+          </p:cNvSpPr>
+          <p:nvPr>
+            <p:ph type="ftr" sz="quarter" idx="11"/>
+          </p:nvPr>
+        </p:nvSpPr>
+        <p:spPr>
+          <a:xfrm>
+            <a:off x="3124200" y="4786312"/>
+            <a:ext cx="2895600" cy="357188"/>
+          </a:xfrm>
+        </p:spPr>
+        <p:txBody>
+          <a:bodyPr/>
+          <a:lstStyle/>
+          <a:p>
+            <a:r>
+              <a:rPr lang="en-CA" dirty="0"/>
+              <a:t>IETF MPLS WG Interim – April 2020 </a:t>
+            </a:r>
+          </a:p>
+        </p:txBody>
+      </p:sp>
+      <p:sp>
+        <p:nvSpPr>
+          <p:cNvPr id="5" name="Slide Number Placeholder 4"/>
+          <p:cNvSpPr>
+            <a:spLocks noGrp="1"/>
+          </p:cNvSpPr>
+          <p:nvPr>
+            <p:ph type="sldNum" sz="quarter" idx="12"/>
+          </p:nvPr>
+        </p:nvSpPr>
+        <p:spPr/>
+        <p:txBody>
+          <a:bodyPr/>
+          <a:lstStyle/>
+          <a:p>
+            <a:pPr>
+              <a:defRPr/>
+            </a:pPr>
+            <a:fld id="{BD6E0F59-1DD8-40FC-9C92-B6295CBA6CCA}" type="slidenum">
+              <a:rPr lang="en-US" altLang="zh-CN" smtClean="0"/>
+              <a:pPr>
+                <a:defRPr/>
+              </a:pPr>
+              <a:t>16</a:t>
+            </a:fld>
+            <a:endParaRPr lang="en-US" altLang="zh-CN"/>
+          </a:p>
+        </p:txBody>
+      </p:sp>
+    </p:spTree>
+    <p:extLst>
+      <p:ext uri="{BB962C8B-B14F-4D97-AF65-F5344CB8AC3E}">
+        <p14:creationId xmlns:p14="http://schemas.microsoft.com/office/powerpoint/2010/main" val="2437508484"/>
+      </p:ext>
+    </p:extLst>
+  </p:cSld>
+  <p:clrMapOvr>
+    <a:masterClrMapping/>
+  </p:clrMapOvr>
+</p:sld>
+</file>
+
+<file path=ppt/slides/slide17.xml><?xml version="1.0" encoding="utf-8"?>
+<p:sld xmlns:a="http://schemas.openxmlformats.org/drawingml/2006/main" xmlns:r="http://schemas.openxmlformats.org/officeDocument/2006/relationships" xmlns:p="http://schemas.openxmlformats.org/presentationml/2006/main">
+  <p:cSld>
+    <p:spTree>
+      <p:nvGrpSpPr>
+        <p:cNvPr id="1" name=""/>
+        <p:cNvGrpSpPr/>
+        <p:nvPr/>
+      </p:nvGrpSpPr>
+      <p:grpSpPr>
+        <a:xfrm>
+          <a:off x="0" y="0"/>
+          <a:ext cx="0" cy="0"/>
+          <a:chOff x="0" y="0"/>
+          <a:chExt cx="0" cy="0"/>
+        </a:xfrm>
+      </p:grpSpPr>
+      <p:sp>
+        <p:nvSpPr>
           <p:cNvPr id="4" name="Footer Placeholder 3"/>
           <p:cNvSpPr>
             <a:spLocks noGrp="1"/>
@@ -6742,20 +7617,9 @@
           <a:bodyPr/>
           <a:lstStyle/>
           <a:p>
-            <a:pPr>
-              <a:defRPr/>
-            </a:pPr>
-            <a:r>
-              <a:rPr lang="en-US" altLang="zh-CN" dirty="0"/>
-              <a:t>107</a:t>
-            </a:r>
-            <a:r>
-              <a:rPr lang="en-US" altLang="zh-CN" baseline="30000" dirty="0"/>
-              <a:t>th</a:t>
-            </a:r>
-            <a:r>
-              <a:rPr lang="en-US" altLang="zh-CN" dirty="0"/>
-              <a:t> IETF @ Vancouver</a:t>
+            <a:r>
+              <a:rPr lang="en-CA" dirty="0"/>
+              <a:t>IETF MPLS WG Interim – April 2020 </a:t>
             </a:r>
           </a:p>
         </p:txBody>
@@ -6972,7 +7836,7 @@
               <a:pPr>
                 <a:defRPr/>
               </a:pPr>
-              <a:t>15</a:t>
+              <a:t>17</a:t>
             </a:fld>
             <a:endParaRPr lang="en-US" altLang="zh-CN"/>
           </a:p>
@@ -6991,7 +7855,7 @@
 </p:sld>
 </file>
 
-<file path=ppt/slides/slide16.xml><?xml version="1.0" encoding="utf-8"?>
+<file path=ppt/slides/slide18.xml><?xml version="1.0" encoding="utf-8"?>
 <p:sld xmlns:a="http://schemas.openxmlformats.org/drawingml/2006/main" xmlns:r="http://schemas.openxmlformats.org/officeDocument/2006/relationships" xmlns:p="http://schemas.openxmlformats.org/presentationml/2006/main">
   <p:cSld>
     <p:spTree>
@@ -7182,20 +8046,9 @@
           <a:bodyPr/>
           <a:lstStyle/>
           <a:p>
-            <a:pPr>
-              <a:defRPr/>
-            </a:pPr>
-            <a:r>
-              <a:rPr lang="en-US" altLang="zh-CN" dirty="0"/>
-              <a:t>107</a:t>
-            </a:r>
-            <a:r>
-              <a:rPr lang="en-US" altLang="zh-CN" baseline="30000" dirty="0"/>
-              <a:t>th</a:t>
-            </a:r>
-            <a:r>
-              <a:rPr lang="en-US" altLang="zh-CN" dirty="0"/>
-              <a:t> IETF @ Vancouver</a:t>
+            <a:r>
+              <a:rPr lang="en-CA" dirty="0"/>
+              <a:t>IETF MPLS WG Interim – April 2020 </a:t>
             </a:r>
           </a:p>
         </p:txBody>
@@ -7223,7 +8076,7 @@
               <a:pPr>
                 <a:defRPr/>
               </a:pPr>
-              <a:t>16</a:t>
+              <a:t>18</a:t>
             </a:fld>
             <a:endParaRPr lang="en-US" altLang="zh-CN"/>
           </a:p>
@@ -7233,6 +8086,281 @@
     <p:extLst>
       <p:ext uri="{BB962C8B-B14F-4D97-AF65-F5344CB8AC3E}">
         <p14:creationId xmlns:p14="http://schemas.microsoft.com/office/powerpoint/2010/main" val="1952692311"/>
+      </p:ext>
+    </p:extLst>
+  </p:cSld>
+  <p:clrMapOvr>
+    <a:masterClrMapping/>
+  </p:clrMapOvr>
+</p:sld>
+</file>
+
+<file path=ppt/slides/slide19.xml><?xml version="1.0" encoding="utf-8"?>
+<p:sld xmlns:a="http://schemas.openxmlformats.org/drawingml/2006/main" xmlns:r="http://schemas.openxmlformats.org/officeDocument/2006/relationships" xmlns:p="http://schemas.openxmlformats.org/presentationml/2006/main">
+  <p:cSld>
+    <p:spTree>
+      <p:nvGrpSpPr>
+        <p:cNvPr id="1" name=""/>
+        <p:cNvGrpSpPr/>
+        <p:nvPr/>
+      </p:nvGrpSpPr>
+      <p:grpSpPr>
+        <a:xfrm>
+          <a:off x="0" y="0"/>
+          <a:ext cx="0" cy="0"/>
+          <a:chOff x="0" y="0"/>
+          <a:chExt cx="0" cy="0"/>
+        </a:xfrm>
+      </p:grpSpPr>
+      <p:sp>
+        <p:nvSpPr>
+          <p:cNvPr id="4" name="Footer Placeholder 3"/>
+          <p:cNvSpPr>
+            <a:spLocks noGrp="1"/>
+          </p:cNvSpPr>
+          <p:nvPr>
+            <p:ph type="ftr" sz="quarter" idx="11"/>
+          </p:nvPr>
+        </p:nvSpPr>
+        <p:spPr>
+          <a:xfrm>
+            <a:off x="3048000" y="4786312"/>
+            <a:ext cx="2895600" cy="357188"/>
+          </a:xfrm>
+        </p:spPr>
+        <p:txBody>
+          <a:bodyPr/>
+          <a:lstStyle/>
+          <a:p>
+            <a:r>
+              <a:rPr lang="en-CA" dirty="0"/>
+              <a:t>IETF MPLS WG Interim – April 2020 </a:t>
+            </a:r>
+          </a:p>
+        </p:txBody>
+      </p:sp>
+      <p:sp>
+        <p:nvSpPr>
+          <p:cNvPr id="5" name="Rectangle 2"/>
+          <p:cNvSpPr txBox="1">
+            <a:spLocks noChangeArrowheads="1"/>
+          </p:cNvSpPr>
+          <p:nvPr/>
+        </p:nvSpPr>
+        <p:spPr bwMode="auto">
+          <a:xfrm>
+            <a:off x="685800" y="1657350"/>
+            <a:ext cx="7772400" cy="1102519"/>
+          </a:xfrm>
+          <a:prstGeom prst="rect">
+            <a:avLst/>
+          </a:prstGeom>
+          <a:noFill/>
+          <a:ln w="9525">
+            <a:noFill/>
+            <a:miter lim="800000"/>
+            <a:headEnd/>
+            <a:tailEnd/>
+          </a:ln>
+          <a:effectLst/>
+        </p:spPr>
+        <p:txBody>
+          <a:bodyPr vert="horz" wrap="square" lIns="91440" tIns="45720" rIns="91440" bIns="45720" numCol="1" anchor="ctr" anchorCtr="0" compatLnSpc="1">
+            <a:prstTxWarp prst="textNoShape">
+              <a:avLst/>
+            </a:prstTxWarp>
+          </a:bodyPr>
+          <a:lstStyle>
+            <a:lvl1pPr algn="ctr" rtl="0" eaLnBrk="0" fontAlgn="base" hangingPunct="0">
+              <a:spcBef>
+                <a:spcPct val="0"/>
+              </a:spcBef>
+              <a:spcAft>
+                <a:spcPct val="0"/>
+              </a:spcAft>
+              <a:defRPr sz="4400">
+                <a:solidFill>
+                  <a:schemeClr val="tx2"/>
+                </a:solidFill>
+                <a:latin typeface="+mj-lt"/>
+                <a:ea typeface="+mj-ea"/>
+                <a:cs typeface="+mj-cs"/>
+              </a:defRPr>
+            </a:lvl1pPr>
+            <a:lvl2pPr algn="ctr" rtl="0" eaLnBrk="0" fontAlgn="base" hangingPunct="0">
+              <a:spcBef>
+                <a:spcPct val="0"/>
+              </a:spcBef>
+              <a:spcAft>
+                <a:spcPct val="0"/>
+              </a:spcAft>
+              <a:defRPr sz="4400">
+                <a:solidFill>
+                  <a:schemeClr val="tx2"/>
+                </a:solidFill>
+                <a:latin typeface="Arial" charset="0"/>
+                <a:ea typeface="宋体" pitchFamily="2" charset="-122"/>
+              </a:defRPr>
+            </a:lvl2pPr>
+            <a:lvl3pPr algn="ctr" rtl="0" eaLnBrk="0" fontAlgn="base" hangingPunct="0">
+              <a:spcBef>
+                <a:spcPct val="0"/>
+              </a:spcBef>
+              <a:spcAft>
+                <a:spcPct val="0"/>
+              </a:spcAft>
+              <a:defRPr sz="4400">
+                <a:solidFill>
+                  <a:schemeClr val="tx2"/>
+                </a:solidFill>
+                <a:latin typeface="Arial" charset="0"/>
+                <a:ea typeface="宋体" pitchFamily="2" charset="-122"/>
+              </a:defRPr>
+            </a:lvl3pPr>
+            <a:lvl4pPr algn="ctr" rtl="0" eaLnBrk="0" fontAlgn="base" hangingPunct="0">
+              <a:spcBef>
+                <a:spcPct val="0"/>
+              </a:spcBef>
+              <a:spcAft>
+                <a:spcPct val="0"/>
+              </a:spcAft>
+              <a:defRPr sz="4400">
+                <a:solidFill>
+                  <a:schemeClr val="tx2"/>
+                </a:solidFill>
+                <a:latin typeface="Arial" charset="0"/>
+                <a:ea typeface="宋体" pitchFamily="2" charset="-122"/>
+              </a:defRPr>
+            </a:lvl4pPr>
+            <a:lvl5pPr algn="ctr" rtl="0" eaLnBrk="0" fontAlgn="base" hangingPunct="0">
+              <a:spcBef>
+                <a:spcPct val="0"/>
+              </a:spcBef>
+              <a:spcAft>
+                <a:spcPct val="0"/>
+              </a:spcAft>
+              <a:defRPr sz="4400">
+                <a:solidFill>
+                  <a:schemeClr val="tx2"/>
+                </a:solidFill>
+                <a:latin typeface="Arial" charset="0"/>
+                <a:ea typeface="宋体" pitchFamily="2" charset="-122"/>
+              </a:defRPr>
+            </a:lvl5pPr>
+            <a:lvl6pPr marL="457200" algn="ctr" rtl="0" fontAlgn="base">
+              <a:spcBef>
+                <a:spcPct val="0"/>
+              </a:spcBef>
+              <a:spcAft>
+                <a:spcPct val="0"/>
+              </a:spcAft>
+              <a:defRPr sz="4400">
+                <a:solidFill>
+                  <a:schemeClr val="tx2"/>
+                </a:solidFill>
+                <a:latin typeface="Arial" charset="0"/>
+                <a:ea typeface="宋体" pitchFamily="2" charset="-122"/>
+              </a:defRPr>
+            </a:lvl6pPr>
+            <a:lvl7pPr marL="914400" algn="ctr" rtl="0" fontAlgn="base">
+              <a:spcBef>
+                <a:spcPct val="0"/>
+              </a:spcBef>
+              <a:spcAft>
+                <a:spcPct val="0"/>
+              </a:spcAft>
+              <a:defRPr sz="4400">
+                <a:solidFill>
+                  <a:schemeClr val="tx2"/>
+                </a:solidFill>
+                <a:latin typeface="Arial" charset="0"/>
+                <a:ea typeface="宋体" pitchFamily="2" charset="-122"/>
+              </a:defRPr>
+            </a:lvl7pPr>
+            <a:lvl8pPr marL="1371600" algn="ctr" rtl="0" fontAlgn="base">
+              <a:spcBef>
+                <a:spcPct val="0"/>
+              </a:spcBef>
+              <a:spcAft>
+                <a:spcPct val="0"/>
+              </a:spcAft>
+              <a:defRPr sz="4400">
+                <a:solidFill>
+                  <a:schemeClr val="tx2"/>
+                </a:solidFill>
+                <a:latin typeface="Arial" charset="0"/>
+                <a:ea typeface="宋体" pitchFamily="2" charset="-122"/>
+              </a:defRPr>
+            </a:lvl8pPr>
+            <a:lvl9pPr marL="1828800" algn="ctr" rtl="0" fontAlgn="base">
+              <a:spcBef>
+                <a:spcPct val="0"/>
+              </a:spcBef>
+              <a:spcAft>
+                <a:spcPct val="0"/>
+              </a:spcAft>
+              <a:defRPr sz="4400">
+                <a:solidFill>
+                  <a:schemeClr val="tx2"/>
+                </a:solidFill>
+                <a:latin typeface="Arial" charset="0"/>
+                <a:ea typeface="宋体" pitchFamily="2" charset="-122"/>
+              </a:defRPr>
+            </a:lvl9pPr>
+          </a:lstStyle>
+          <a:p>
+            <a:pPr eaLnBrk="1" hangingPunct="1">
+              <a:defRPr/>
+            </a:pPr>
+            <a:r>
+              <a:rPr lang="en-US" altLang="zh-CN" sz="4000" kern="0" dirty="0">
+                <a:effectLst>
+                  <a:outerShdw blurRad="38100" dist="38100" dir="2700000" algn="tl">
+                    <a:srgbClr val="C0C0C0"/>
+                  </a:outerShdw>
+                </a:effectLst>
+                <a:latin typeface="Calibri" charset="0"/>
+                <a:ea typeface="Calibri" charset="0"/>
+                <a:cs typeface="Calibri" charset="0"/>
+              </a:rPr>
+              <a:t>Thank you</a:t>
+            </a:r>
+          </a:p>
+        </p:txBody>
+      </p:sp>
+      <p:sp>
+        <p:nvSpPr>
+          <p:cNvPr id="2" name="Slide Number Placeholder 1"/>
+          <p:cNvSpPr>
+            <a:spLocks noGrp="1"/>
+          </p:cNvSpPr>
+          <p:nvPr>
+            <p:ph type="sldNum" sz="quarter" idx="12"/>
+          </p:nvPr>
+        </p:nvSpPr>
+        <p:spPr/>
+        <p:txBody>
+          <a:bodyPr/>
+          <a:lstStyle/>
+          <a:p>
+            <a:pPr>
+              <a:defRPr/>
+            </a:pPr>
+            <a:fld id="{BD6E0F59-1DD8-40FC-9C92-B6295CBA6CCA}" type="slidenum">
+              <a:rPr lang="en-US" altLang="zh-CN" smtClean="0"/>
+              <a:pPr>
+                <a:defRPr/>
+              </a:pPr>
+              <a:t>19</a:t>
+            </a:fld>
+            <a:endParaRPr lang="en-US" altLang="zh-CN"/>
+          </a:p>
+        </p:txBody>
+      </p:sp>
+    </p:spTree>
+    <p:extLst>
+      <p:ext uri="{BB962C8B-B14F-4D97-AF65-F5344CB8AC3E}">
+        <p14:creationId xmlns:p14="http://schemas.microsoft.com/office/powerpoint/2010/main" val="1829955636"/>
       </p:ext>
     </p:extLst>
   </p:cSld>
@@ -7363,20 +8491,9 @@
           <a:bodyPr/>
           <a:lstStyle/>
           <a:p>
-            <a:pPr>
-              <a:defRPr/>
-            </a:pPr>
-            <a:r>
-              <a:rPr lang="en-US" altLang="zh-CN" dirty="0"/>
-              <a:t>107</a:t>
-            </a:r>
-            <a:r>
-              <a:rPr lang="en-US" altLang="zh-CN" baseline="30000" dirty="0"/>
-              <a:t>th</a:t>
-            </a:r>
-            <a:r>
-              <a:rPr lang="en-US" altLang="zh-CN" dirty="0"/>
-              <a:t> IETF @ Vancouver</a:t>
+            <a:r>
+              <a:rPr lang="en-CA" dirty="0"/>
+              <a:t>IETF MPLS WG Interim – April 2020 </a:t>
             </a:r>
           </a:p>
         </p:txBody>
@@ -7701,20 +8818,9 @@
           <a:bodyPr/>
           <a:lstStyle/>
           <a:p>
-            <a:pPr>
-              <a:defRPr/>
-            </a:pPr>
-            <a:r>
-              <a:rPr lang="en-US" altLang="zh-CN" dirty="0"/>
-              <a:t>107</a:t>
-            </a:r>
-            <a:r>
-              <a:rPr lang="en-US" altLang="zh-CN" baseline="30000" dirty="0"/>
-              <a:t>th</a:t>
-            </a:r>
-            <a:r>
-              <a:rPr lang="en-US" altLang="zh-CN" dirty="0"/>
-              <a:t> IETF @ Vancouver</a:t>
+            <a:r>
+              <a:rPr lang="en-CA" dirty="0"/>
+              <a:t>IETF MPLS WG Interim – April 2020 </a:t>
             </a:r>
           </a:p>
         </p:txBody>
@@ -7840,33 +8946,12 @@
             <a:pPr lvl="1"/>
             <a:r>
               <a:rPr lang="en-US" sz="1600" dirty="0"/>
-              <a:t>Draft was first published </a:t>
+              <a:t>Draft was published </a:t>
             </a:r>
             <a:r>
               <a:rPr lang="en-US" sz="1600" i="1" dirty="0"/>
-              <a:t>draft-</a:t>
-            </a:r>
-            <a:r>
-              <a:rPr lang="en-US" sz="1600" i="1" dirty="0" err="1"/>
-              <a:t>gandhi</a:t>
-            </a:r>
-            <a:r>
-              <a:rPr lang="en-US" sz="1600" i="1" dirty="0"/>
-              <a:t>-spring-</a:t>
-            </a:r>
-            <a:r>
-              <a:rPr lang="en-US" sz="1600" i="1" dirty="0" err="1"/>
-              <a:t>ioam</a:t>
-            </a:r>
-            <a:r>
-              <a:rPr lang="en-US" sz="1600" i="1" dirty="0"/>
-              <a:t>-</a:t>
-            </a:r>
-            <a:r>
-              <a:rPr lang="en-US" sz="1600" i="1" dirty="0" err="1"/>
-              <a:t>sr-mpls</a:t>
-            </a:r>
-            <a:endParaRPr lang="en-US" sz="1600" i="1" dirty="0"/>
+              <a:t>draft-gandhi-spring-ioam-sr-mpls-00</a:t>
+            </a:r>
           </a:p>
           <a:p>
             <a:r>
@@ -7892,7 +8977,15 @@
             <a:pPr lvl="1"/>
             <a:r>
               <a:rPr lang="en-US" sz="1600" dirty="0"/>
-              <a:t>Presented revision-01 at IETF 105 Montreal in SPRING and MPLS WGs</a:t>
+              <a:t>Presented </a:t>
+            </a:r>
+            <a:r>
+              <a:rPr lang="en-US" sz="1600" i="1" dirty="0"/>
+              <a:t>draft-gandhi-spring-ioam-sr-mpls-01 </a:t>
+            </a:r>
+            <a:r>
+              <a:rPr lang="en-US" sz="1600" dirty="0"/>
+              <a:t>at IETF 105 Montreal in SPRING and MPLS WGs</a:t>
             </a:r>
           </a:p>
           <a:p>
@@ -7916,23 +9009,7 @@
             </a:r>
             <a:r>
               <a:rPr lang="en-US" sz="1600" i="1" dirty="0"/>
-              <a:t>draft-</a:t>
-            </a:r>
-            <a:r>
-              <a:rPr lang="en-US" sz="1600" i="1" dirty="0" err="1"/>
-              <a:t>gandhi</a:t>
-            </a:r>
-            <a:r>
-              <a:rPr lang="en-US" sz="1600" i="1" dirty="0"/>
-              <a:t>-</a:t>
-            </a:r>
-            <a:r>
-              <a:rPr lang="en-US" sz="1600" i="1" dirty="0" err="1"/>
-              <a:t>mpls-ioam-sr</a:t>
-            </a:r>
-            <a:r>
-              <a:rPr lang="en-US" sz="1600" i="1" dirty="0"/>
-              <a:t> </a:t>
+              <a:t>draft-gandhi-mpls-ioam-sr-00 </a:t>
             </a:r>
           </a:p>
           <a:p>
@@ -7945,7 +9022,15 @@
             <a:pPr lvl="1"/>
             <a:r>
               <a:rPr lang="en-US" sz="1600" dirty="0"/>
-              <a:t>Presented revision-00 at IETF 106 Singapore in MPLS WG</a:t>
+              <a:t>Presented </a:t>
+            </a:r>
+            <a:r>
+              <a:rPr lang="en-US" sz="1600" i="1" dirty="0"/>
+              <a:t>draft-gandhi-mpls-ioam-sr-00</a:t>
+            </a:r>
+            <a:r>
+              <a:rPr lang="en-US" sz="1600" dirty="0"/>
+              <a:t> at IETF 106 Singapore in MPLS WG</a:t>
             </a:r>
           </a:p>
           <a:p>
@@ -7973,20 +9058,9 @@
           <a:bodyPr/>
           <a:lstStyle/>
           <a:p>
-            <a:pPr>
-              <a:defRPr/>
-            </a:pPr>
-            <a:r>
-              <a:rPr lang="en-US" altLang="zh-CN" dirty="0"/>
-              <a:t>107</a:t>
-            </a:r>
-            <a:r>
-              <a:rPr lang="en-US" altLang="zh-CN" baseline="30000" dirty="0"/>
-              <a:t>th</a:t>
-            </a:r>
-            <a:r>
-              <a:rPr lang="en-US" altLang="zh-CN" dirty="0"/>
-              <a:t> IETF @ Vancouver</a:t>
+            <a:r>
+              <a:rPr lang="en-CA" dirty="0"/>
+              <a:t>IETF MPLS WG Interim – April 2020 </a:t>
             </a:r>
           </a:p>
         </p:txBody>
@@ -8078,7 +9152,7 @@
                 <a:latin typeface="Calibri Light" panose="020F0302020204030204" pitchFamily="34" charset="0"/>
                 <a:cs typeface="Calibri Light" panose="020F0302020204030204" pitchFamily="34" charset="0"/>
               </a:rPr>
-              <a:t>Updates Since IETF-106 (Revision-00)</a:t>
+              <a:t>Updates Since IETF-106 (Version-00)</a:t>
             </a:r>
           </a:p>
         </p:txBody>
@@ -8118,7 +9192,7 @@
             </a:pPr>
             <a:r>
               <a:rPr lang="en-CA" sz="2000" dirty="0"/>
-              <a:t>Any MPLS data plane encapsulation including SR</a:t>
+              <a:t>MPLS data plane encapsulation including SR</a:t>
             </a:r>
           </a:p>
           <a:p>
@@ -8198,20 +9272,9 @@
           <a:bodyPr/>
           <a:lstStyle/>
           <a:p>
-            <a:pPr>
-              <a:defRPr/>
-            </a:pPr>
-            <a:r>
-              <a:rPr lang="en-US" altLang="zh-CN" dirty="0"/>
-              <a:t>107</a:t>
-            </a:r>
-            <a:r>
-              <a:rPr lang="en-US" altLang="zh-CN" baseline="30000" dirty="0"/>
-              <a:t>th</a:t>
-            </a:r>
-            <a:r>
-              <a:rPr lang="en-US" altLang="zh-CN" dirty="0"/>
-              <a:t> IETF @ Vancouver</a:t>
+            <a:r>
+              <a:rPr lang="en-CA" dirty="0"/>
+              <a:t>IETF MPLS WG Interim – April 2020 </a:t>
             </a:r>
           </a:p>
         </p:txBody>
@@ -8348,20 +9411,9 @@
           <a:bodyPr/>
           <a:lstStyle/>
           <a:p>
-            <a:pPr>
-              <a:defRPr/>
-            </a:pPr>
-            <a:r>
-              <a:rPr lang="en-US" altLang="zh-CN" dirty="0"/>
-              <a:t>107</a:t>
-            </a:r>
-            <a:r>
-              <a:rPr lang="en-US" altLang="zh-CN" baseline="30000" dirty="0"/>
-              <a:t>th</a:t>
-            </a:r>
-            <a:r>
-              <a:rPr lang="en-US" altLang="zh-CN" dirty="0"/>
-              <a:t> IETF @ Vancouver</a:t>
+            <a:r>
+              <a:rPr lang="en-CA" dirty="0"/>
+              <a:t>IETF MPLS WG Interim – April 2020 </a:t>
             </a:r>
           </a:p>
         </p:txBody>
@@ -8416,7 +9468,7 @@
         <p:spPr>
           <a:xfrm>
             <a:off x="1676400" y="935490"/>
-            <a:ext cx="5791200" cy="3477875"/>
+            <a:ext cx="5791200" cy="3323987"/>
           </a:xfrm>
           <a:prstGeom prst="rect">
             <a:avLst/>
@@ -8570,7 +9622,7 @@
               <a:rPr lang="en-CA" sz="1000" dirty="0">
                 <a:latin typeface="Courier" pitchFamily="2" charset="0"/>
               </a:rPr>
-              <a:t>   |                 Payload + Padding                             |</a:t>
+              <a:t>   ~                 Payload + Padding                             ~</a:t>
             </a:r>
           </a:p>
           <a:p>
@@ -8594,7 +9646,7 @@
               <a:rPr lang="en-CA" sz="1000" dirty="0">
                 <a:latin typeface="Courier" pitchFamily="2" charset="0"/>
               </a:rPr>
-              <a:t>   |                                                               |</a:t>
+              <a:t>   +-+-+-+-+-+-+-+-+-+-+-+-+-+-+-+-+-+-+-+-+-+-+-+-+-+-+-+-+-+-+-+-+</a:t>
             </a:r>
           </a:p>
           <a:p>
@@ -8602,7 +9654,7 @@
               <a:rPr lang="en-CA" sz="1000" dirty="0">
                 <a:latin typeface="Courier" pitchFamily="2" charset="0"/>
               </a:rPr>
-              <a:t>   +-+-+-+-+-+-+-+-+-+-+-+-+-+-+-+-+-+-+-+-+-+-+-+-+-+-+-+-+-+-+-+-+</a:t>
+              <a:t> </a:t>
             </a:r>
           </a:p>
           <a:p>
@@ -8610,15 +9662,7 @@
               <a:rPr lang="en-CA" sz="1000" dirty="0">
                 <a:latin typeface="Courier" pitchFamily="2" charset="0"/>
               </a:rPr>
-              <a:t> </a:t>
-            </a:r>
-          </a:p>
-          <a:p>
-            <a:r>
-              <a:rPr lang="en-CA" sz="1000" dirty="0">
-                <a:latin typeface="Courier" pitchFamily="2" charset="0"/>
-              </a:rPr>
-              <a:t>                Figure: IOAM encapsulation in MPLS Header</a:t>
+              <a:t>                Figure: IOAM Encapsulation in MPLS Header</a:t>
             </a:r>
             <a:endParaRPr lang="en-CA" sz="1000" dirty="0">
               <a:latin typeface="Courier" pitchFamily="2" charset="0"/>
@@ -8797,20 +9841,9 @@
           <a:bodyPr/>
           <a:lstStyle/>
           <a:p>
-            <a:pPr>
-              <a:defRPr/>
-            </a:pPr>
-            <a:r>
-              <a:rPr lang="en-US" altLang="zh-CN" dirty="0"/>
-              <a:t>107</a:t>
-            </a:r>
-            <a:r>
-              <a:rPr lang="en-US" altLang="zh-CN" baseline="30000" dirty="0"/>
-              <a:t>th</a:t>
-            </a:r>
-            <a:r>
-              <a:rPr lang="en-US" altLang="zh-CN" dirty="0"/>
-              <a:t> IETF @ Vancouver</a:t>
+            <a:r>
+              <a:rPr lang="en-CA" dirty="0"/>
+              <a:t>IETF MPLS WG Interim – April 2020 </a:t>
             </a:r>
           </a:p>
         </p:txBody>
@@ -8967,20 +10000,9 @@
           <a:bodyPr/>
           <a:lstStyle/>
           <a:p>
-            <a:pPr>
-              <a:defRPr/>
-            </a:pPr>
-            <a:r>
-              <a:rPr lang="en-US" altLang="zh-CN" dirty="0"/>
-              <a:t>107</a:t>
-            </a:r>
-            <a:r>
-              <a:rPr lang="en-US" altLang="zh-CN" baseline="30000" dirty="0"/>
-              <a:t>th</a:t>
-            </a:r>
-            <a:r>
-              <a:rPr lang="en-US" altLang="zh-CN" dirty="0"/>
-              <a:t> IETF @ Vancouver</a:t>
+            <a:r>
+              <a:rPr lang="en-CA" dirty="0"/>
+              <a:t>IETF MPLS WG Interim – April 2020 </a:t>
             </a:r>
           </a:p>
         </p:txBody>
@@ -9035,7 +10057,7 @@
         <p:spPr>
           <a:xfrm>
             <a:off x="1676400" y="837589"/>
-            <a:ext cx="5791200" cy="3785652"/>
+            <a:ext cx="5715000" cy="3631763"/>
           </a:xfrm>
           <a:prstGeom prst="rect">
             <a:avLst/>
@@ -9217,7 +10239,7 @@
               <a:rPr lang="en-CA" sz="1000" dirty="0">
                 <a:latin typeface="Courier" pitchFamily="2" charset="0"/>
               </a:rPr>
-              <a:t>   |                 Payload + Padding                             |</a:t>
+              <a:t>   ~                 Payload + Padding                             ~</a:t>
             </a:r>
           </a:p>
           <a:p>
@@ -9241,7 +10263,7 @@
               <a:rPr lang="en-CA" sz="1000" dirty="0">
                 <a:latin typeface="Courier" pitchFamily="2" charset="0"/>
               </a:rPr>
-              <a:t>   |                                                               |</a:t>
+              <a:t>   +-+-+-+-+-+-+-+-+-+-+-+-+-+-+-+-+-+-+-+-+-+-+-+-+-+-+-+-+-+-+-+-+</a:t>
             </a:r>
           </a:p>
           <a:p>
@@ -9249,7 +10271,7 @@
               <a:rPr lang="en-CA" sz="1000" dirty="0">
                 <a:latin typeface="Courier" pitchFamily="2" charset="0"/>
               </a:rPr>
-              <a:t>   +-+-+-+-+-+-+-+-+-+-+-+-+-+-+-+-+-+-+-+-+-+-+-+-+-+-+-+-+-+-+-+-+</a:t>
+              <a:t> </a:t>
             </a:r>
           </a:p>
           <a:p>
@@ -9257,15 +10279,7 @@
               <a:rPr lang="en-CA" sz="1000" dirty="0">
                 <a:latin typeface="Courier" pitchFamily="2" charset="0"/>
               </a:rPr>
-              <a:t> </a:t>
-            </a:r>
-          </a:p>
-          <a:p>
-            <a:r>
-              <a:rPr lang="en-CA" sz="1000" dirty="0">
-                <a:latin typeface="Courier" pitchFamily="2" charset="0"/>
-              </a:rPr>
-              <a:t>       Figure: IOAM encapsulation with Flow Label in MPLS Header</a:t>
+              <a:t>       Figure: IOAM Encapsulation with Flow Label in MPLS Header</a:t>
             </a:r>
             <a:endParaRPr lang="en-CA" sz="1000" dirty="0">
               <a:latin typeface="Courier" pitchFamily="2" charset="0"/>
@@ -9464,7 +10478,15 @@
             </a:r>
             <a:r>
               <a:rPr lang="en-CA" sz="1800" dirty="0"/>
-              <a:t>can be used to aggregate the IOAM data collected in data plane, e.g. compute measurement metrics for each block of a flow.</a:t>
+              <a:t>can be used to </a:t>
+            </a:r>
+            <a:r>
+              <a:rPr lang="en-CA" sz="1800" b="1" dirty="0"/>
+              <a:t>aggregate</a:t>
+            </a:r>
+            <a:r>
+              <a:rPr lang="en-CA" sz="1800" dirty="0"/>
+              <a:t> the IOAM data collected in data plane, e.g. compute measurement metrics for each block of a flow.</a:t>
             </a:r>
           </a:p>
         </p:txBody>
@@ -9489,20 +10511,9 @@
           <a:bodyPr/>
           <a:lstStyle/>
           <a:p>
-            <a:pPr>
-              <a:defRPr/>
-            </a:pPr>
-            <a:r>
-              <a:rPr lang="en-US" altLang="zh-CN" dirty="0"/>
-              <a:t>107</a:t>
-            </a:r>
-            <a:r>
-              <a:rPr lang="en-US" altLang="zh-CN" baseline="30000" dirty="0"/>
-              <a:t>th</a:t>
-            </a:r>
-            <a:r>
-              <a:rPr lang="en-US" altLang="zh-CN" dirty="0"/>
-              <a:t> IETF @ Vancouver</a:t>
+            <a:r>
+              <a:rPr lang="en-CA" dirty="0"/>
+              <a:t>IETF MPLS WG Interim – April 2020 </a:t>
             </a:r>
           </a:p>
         </p:txBody>

--- a/draft-gandhi-mpls-ioam-sr-02.pptx
+++ b/draft-gandhi-mpls-ioam-sr-02.pptx
@@ -6719,7 +6719,7 @@
         </p:nvSpPr>
         <p:spPr>
           <a:xfrm>
-            <a:off x="1828800" y="627191"/>
+            <a:off x="1943100" y="627191"/>
             <a:ext cx="5257800" cy="4108817"/>
           </a:xfrm>
           <a:prstGeom prst="rect">
@@ -7135,7 +7135,7 @@
         </p:nvSpPr>
         <p:spPr>
           <a:xfrm>
-            <a:off x="1905000" y="679280"/>
+            <a:off x="1943100" y="679280"/>
             <a:ext cx="5257800" cy="4361827"/>
           </a:xfrm>
           <a:prstGeom prst="rect">
@@ -9192,7 +9192,7 @@
             </a:pPr>
             <a:r>
               <a:rPr lang="en-CA" sz="2000" dirty="0"/>
-              <a:t>MPLS data plane encapsulation including SR</a:t>
+              <a:t>Generalize MPLS data plane encapsulation including SR</a:t>
             </a:r>
           </a:p>
           <a:p>

--- a/draft-gandhi-mpls-ioam-sr-02.pptx
+++ b/draft-gandhi-mpls-ioam-sr-02.pptx
@@ -6608,8 +6608,8 @@
         </p:nvSpPr>
         <p:spPr>
           <a:xfrm>
-            <a:off x="76200" y="-17621"/>
-            <a:ext cx="9067800" cy="599270"/>
+            <a:off x="1066800" y="-17621"/>
+            <a:ext cx="8077200" cy="599270"/>
           </a:xfrm>
         </p:spPr>
         <p:txBody>
@@ -6625,7 +6625,7 @@
                 <a:latin typeface="Calibri Light" panose="020F0302020204030204" pitchFamily="34" charset="0"/>
                 <a:cs typeface="Calibri Light" panose="020F0302020204030204" pitchFamily="34" charset="0"/>
               </a:rPr>
-              <a:t>IOAM Data Field Encapsulation Example with SR-MPLS Header</a:t>
+              <a:t>IOAM Encapsulation Example with SR-MPLS Header</a:t>
             </a:r>
             <a:endParaRPr lang="en-US" sz="2700" dirty="0">
               <a:solidFill>
@@ -6701,7 +6701,7 @@
               </a:pPr>
               <a:t>14</a:t>
             </a:fld>
-            <a:endParaRPr lang="en-US" altLang="zh-CN"/>
+            <a:endParaRPr lang="en-US" altLang="zh-CN" dirty="0"/>
           </a:p>
         </p:txBody>
       </p:sp>
@@ -6966,7 +6966,7 @@
               <a:rPr lang="en-CA" sz="900" dirty="0">
                 <a:latin typeface="Courier" pitchFamily="2" charset="0"/>
               </a:rPr>
-              <a:t>           Figure: IOAM Encapsulation in MPLS Header Example</a:t>
+              <a:t>         Figure: IOAM Encapsulation Example with SR-MPLS Header</a:t>
             </a:r>
             <a:endParaRPr lang="en-CA" sz="900" dirty="0">
               <a:latin typeface="Courier" pitchFamily="2" charset="0"/>
@@ -7024,8 +7024,8 @@
         </p:nvSpPr>
         <p:spPr>
           <a:xfrm>
-            <a:off x="76200" y="-17621"/>
-            <a:ext cx="9067800" cy="599270"/>
+            <a:off x="228600" y="-17621"/>
+            <a:ext cx="8915400" cy="599270"/>
           </a:xfrm>
         </p:spPr>
         <p:txBody>
@@ -7034,16 +7034,16 @@
           <a:p>
             <a:pPr algn="l"/>
             <a:r>
-              <a:rPr lang="en-CA" sz="2700" dirty="0">
+              <a:rPr lang="en-CA" sz="2500" dirty="0">
                 <a:solidFill>
                   <a:srgbClr val="0070C0"/>
                 </a:solidFill>
                 <a:latin typeface="Calibri Light" panose="020F0302020204030204" pitchFamily="34" charset="0"/>
                 <a:cs typeface="Calibri Light" panose="020F0302020204030204" pitchFamily="34" charset="0"/>
               </a:rPr>
-              <a:t>IOAM Data Field Encapsulation Example with SR-MPLS Header</a:t>
-            </a:r>
-            <a:endParaRPr lang="en-US" sz="2700" dirty="0">
+              <a:t>IOAM Encapsulation with Flow Label Example with SR-MPLS Header</a:t>
+            </a:r>
+            <a:endParaRPr lang="en-US" sz="2500" dirty="0">
               <a:solidFill>
                 <a:srgbClr val="0070C0"/>
               </a:solidFill>
@@ -7135,8 +7135,8 @@
         </p:nvSpPr>
         <p:spPr>
           <a:xfrm>
-            <a:off x="1943100" y="679280"/>
-            <a:ext cx="5257800" cy="4361827"/>
+            <a:off x="1943100" y="648324"/>
+            <a:ext cx="5219700" cy="4392784"/>
           </a:xfrm>
           <a:prstGeom prst="rect">
             <a:avLst/>
@@ -7398,7 +7398,7 @@
               <a:rPr lang="en-CA" sz="900" dirty="0">
                 <a:latin typeface="Courier" pitchFamily="2" charset="0"/>
               </a:rPr>
-              <a:t>   Figure: IOAM Encapsulation with Flow Label in MPLS Header Example</a:t>
+              <a:t> Figure: IOAM Encapsulation with Flow Label Example with SR-MPLS Header</a:t>
             </a:r>
             <a:endParaRPr lang="en-CA" sz="900" dirty="0">
               <a:latin typeface="Courier" pitchFamily="2" charset="0"/>

--- a/draft-gandhi-mpls-ioam-sr-02.pptx
+++ b/draft-gandhi-mpls-ioam-sr-02.pptx
@@ -262,7 +262,7 @@
           <a:p>
             <a:fld id="{E8FA3DB5-7722-3F4F-947D-12B203669AD7}" type="datetimeFigureOut">
               <a:rPr lang="en-US" smtClean="0"/>
-              <a:t>4/4/20</a:t>
+              <a:t>4/5/20</a:t>
             </a:fld>
             <a:endParaRPr lang="en-US"/>
           </a:p>
@@ -5438,7 +5438,7 @@
         </p:nvSpPr>
         <p:spPr bwMode="auto">
           <a:xfrm>
-            <a:off x="2286000" y="2495551"/>
+            <a:off x="2286000" y="2508459"/>
             <a:ext cx="4876800" cy="1569242"/>
           </a:xfrm>
           <a:prstGeom prst="rect">
@@ -5723,7 +5723,7 @@
         </p:nvSpPr>
         <p:spPr>
           <a:xfrm>
-            <a:off x="3124200" y="4786312"/>
+            <a:off x="3009900" y="4771273"/>
             <a:ext cx="2895600" cy="357188"/>
           </a:xfrm>
         </p:spPr>
@@ -9192,7 +9192,7 @@
             </a:pPr>
             <a:r>
               <a:rPr lang="en-CA" sz="2000" dirty="0"/>
-              <a:t>Generalize MPLS data plane encapsulation including SR</a:t>
+              <a:t>Generic MPLS data plane encapsulation including SR</a:t>
             </a:r>
           </a:p>
           <a:p>

--- a/draft-gandhi-mpls-ioam-sr-02.pptx
+++ b/draft-gandhi-mpls-ioam-sr-02.pptx
@@ -262,7 +262,7 @@
           <a:p>
             <a:fld id="{E8FA3DB5-7722-3F4F-947D-12B203669AD7}" type="datetimeFigureOut">
               <a:rPr lang="en-US" smtClean="0"/>
-              <a:t>4/5/20</a:t>
+              <a:t>4/6/20</a:t>
             </a:fld>
             <a:endParaRPr lang="en-US"/>
           </a:p>
@@ -10364,8 +10364,8 @@
         </p:nvSpPr>
         <p:spPr>
           <a:xfrm>
-            <a:off x="457200" y="960438"/>
-            <a:ext cx="8229600" cy="3505200"/>
+            <a:off x="381000" y="819149"/>
+            <a:ext cx="8229600" cy="3864769"/>
           </a:xfrm>
         </p:spPr>
         <p:txBody>
@@ -10381,7 +10381,7 @@
               </a:spcBef>
             </a:pPr>
             <a:r>
-              <a:rPr lang="en-CA" sz="1800" dirty="0"/>
+              <a:rPr lang="en-CA" sz="1600" dirty="0"/>
               <a:t>“IOAM and Flow Indicator Label” is used to indicate the presence of the IOAM data fields with Flow Label in the MPLS header.  </a:t>
             </a:r>
           </a:p>
@@ -10395,7 +10395,7 @@
               </a:spcBef>
             </a:pPr>
             <a:r>
-              <a:rPr lang="en-CA" sz="1800" dirty="0"/>
+              <a:rPr lang="en-CA" sz="1600" dirty="0"/>
               <a:t>Separate Label values are used for edge-to-edge and hop-by-hop IOAM:</a:t>
             </a:r>
           </a:p>
@@ -10409,7 +10409,7 @@
               </a:spcBef>
             </a:pPr>
             <a:r>
-              <a:rPr lang="en-CA" sz="1800" dirty="0"/>
+              <a:rPr lang="en-CA" sz="1600" dirty="0"/>
               <a:t>Edge-to-edge TBA2</a:t>
             </a:r>
           </a:p>
@@ -10423,7 +10423,7 @@
               </a:spcBef>
             </a:pPr>
             <a:r>
-              <a:rPr lang="en-CA" sz="1800" dirty="0"/>
+              <a:rPr lang="en-CA" sz="1600" dirty="0"/>
               <a:t>Hop-by-hop TBA4</a:t>
             </a:r>
           </a:p>
@@ -10437,11 +10437,11 @@
               </a:spcBef>
             </a:pPr>
             <a:r>
-              <a:rPr lang="en-CA" sz="1800" b="1" dirty="0"/>
+              <a:rPr lang="en-CA" sz="1600" b="1" dirty="0"/>
               <a:t>Protocol</a:t>
             </a:r>
             <a:r>
-              <a:rPr lang="en-CA" sz="1800" dirty="0"/>
+              <a:rPr lang="en-CA" sz="1600" dirty="0"/>
               <a:t> value 0000b allows to avoid incorrect IP header based hashing over ECMP paths.  </a:t>
             </a:r>
           </a:p>
@@ -10455,11 +10455,11 @@
               </a:spcBef>
             </a:pPr>
             <a:r>
-              <a:rPr lang="en-CA" sz="1800" b="1" dirty="0"/>
+              <a:rPr lang="en-CA" sz="1600" b="1" dirty="0"/>
               <a:t>Flow Label</a:t>
             </a:r>
             <a:r>
-              <a:rPr lang="en-CA" sz="1800" dirty="0"/>
+              <a:rPr lang="en-CA" sz="1600" dirty="0"/>
               <a:t> identifies the traffic flow that can be used for IOAM purpose.</a:t>
             </a:r>
           </a:p>
@@ -10473,20 +10473,48 @@
               </a:spcBef>
             </a:pPr>
             <a:r>
-              <a:rPr lang="en-CA" sz="1800" b="1" dirty="0"/>
+              <a:rPr lang="en-CA" sz="1600" b="1" dirty="0"/>
               <a:t>Block Number </a:t>
             </a:r>
             <a:r>
-              <a:rPr lang="en-CA" sz="1800" dirty="0"/>
+              <a:rPr lang="en-CA" sz="1600" dirty="0"/>
               <a:t>can be used to </a:t>
             </a:r>
-            <a:r>
-              <a:rPr lang="en-CA" sz="1800" b="1" dirty="0"/>
-              <a:t>aggregate</a:t>
-            </a:r>
-            <a:r>
-              <a:rPr lang="en-CA" sz="1800" dirty="0"/>
-              <a:t> the IOAM data collected in data plane, e.g. compute measurement metrics for each block of a flow.</a:t>
+          </a:p>
+          <a:p>
+            <a:pPr lvl="1">
+              <a:lnSpc>
+                <a:spcPts val="2120"/>
+              </a:lnSpc>
+              <a:spcBef>
+                <a:spcPts val="600"/>
+              </a:spcBef>
+            </a:pPr>
+            <a:r>
+              <a:rPr lang="en-CA" sz="1600" b="1" dirty="0"/>
+              <a:t>Aggregate</a:t>
+            </a:r>
+            <a:r>
+              <a:rPr lang="en-CA" sz="1600" dirty="0"/>
+              <a:t> IOAM data collected in data plane, e.g. compute measurement metrics for each block of a flow</a:t>
+            </a:r>
+          </a:p>
+          <a:p>
+            <a:pPr lvl="1">
+              <a:lnSpc>
+                <a:spcPts val="2120"/>
+              </a:lnSpc>
+              <a:spcBef>
+                <a:spcPts val="600"/>
+              </a:spcBef>
+            </a:pPr>
+            <a:r>
+              <a:rPr lang="en-CA" sz="1600" b="1" dirty="0"/>
+              <a:t>Correlate</a:t>
+            </a:r>
+            <a:r>
+              <a:rPr lang="en-CA" sz="1600" dirty="0"/>
+              <a:t> IOAM data from different nodes</a:t>
             </a:r>
           </a:p>
         </p:txBody>

--- a/draft-gandhi-mpls-ioam-sr-02.pptx
+++ b/draft-gandhi-mpls-ioam-sr-02.pptx
@@ -262,7 +262,7 @@
           <a:p>
             <a:fld id="{E8FA3DB5-7722-3F4F-947D-12B203669AD7}" type="datetimeFigureOut">
               <a:rPr lang="en-US" smtClean="0"/>
-              <a:t>4/6/20</a:t>
+              <a:t>7/6/20</a:t>
             </a:fld>
             <a:endParaRPr lang="en-US"/>
           </a:p>
@@ -5733,7 +5733,15 @@
           <a:p>
             <a:r>
               <a:rPr lang="en-CA" dirty="0"/>
-              <a:t>IETF MPLS WG Interim – April 2020 </a:t>
+              <a:t>108</a:t>
+            </a:r>
+            <a:r>
+              <a:rPr lang="en-CA" baseline="30000" dirty="0"/>
+              <a:t>th</a:t>
+            </a:r>
+            <a:r>
+              <a:rPr lang="en-CA" dirty="0"/>
+              <a:t> IETF Online</a:t>
             </a:r>
           </a:p>
         </p:txBody>
@@ -5916,7 +5924,15 @@
           <a:p>
             <a:r>
               <a:rPr lang="en-CA" dirty="0"/>
-              <a:t>IETF MPLS WG Interim – April 2020 </a:t>
+              <a:t>108</a:t>
+            </a:r>
+            <a:r>
+              <a:rPr lang="en-CA" baseline="30000" dirty="0"/>
+              <a:t>th</a:t>
+            </a:r>
+            <a:r>
+              <a:rPr lang="en-CA" dirty="0"/>
+              <a:t> IETF Online</a:t>
             </a:r>
           </a:p>
         </p:txBody>
@@ -6124,7 +6140,15 @@
           <a:p>
             <a:r>
               <a:rPr lang="en-CA" dirty="0"/>
-              <a:t>IETF MPLS WG Interim – April 2020 </a:t>
+              <a:t>108</a:t>
+            </a:r>
+            <a:r>
+              <a:rPr lang="en-CA" baseline="30000" dirty="0"/>
+              <a:t>th</a:t>
+            </a:r>
+            <a:r>
+              <a:rPr lang="en-CA" dirty="0"/>
+              <a:t> IETF Online</a:t>
             </a:r>
           </a:p>
         </p:txBody>
@@ -6328,7 +6352,15 @@
           <a:p>
             <a:r>
               <a:rPr lang="en-CA" dirty="0"/>
-              <a:t>IETF MPLS WG Interim – April 2020 </a:t>
+              <a:t>108</a:t>
+            </a:r>
+            <a:r>
+              <a:rPr lang="en-CA" baseline="30000" dirty="0"/>
+              <a:t>th</a:t>
+            </a:r>
+            <a:r>
+              <a:rPr lang="en-CA" dirty="0"/>
+              <a:t> IETF Online</a:t>
             </a:r>
           </a:p>
         </p:txBody>
@@ -6526,7 +6558,15 @@
           <a:p>
             <a:r>
               <a:rPr lang="en-CA" dirty="0"/>
-              <a:t>IETF MPLS WG Interim – April 2020 </a:t>
+              <a:t>108</a:t>
+            </a:r>
+            <a:r>
+              <a:rPr lang="en-CA" baseline="30000" dirty="0"/>
+              <a:t>th</a:t>
+            </a:r>
+            <a:r>
+              <a:rPr lang="en-CA" dirty="0"/>
+              <a:t> IETF Online</a:t>
             </a:r>
           </a:p>
         </p:txBody>
@@ -6665,7 +6705,15 @@
           <a:p>
             <a:r>
               <a:rPr lang="en-CA" dirty="0"/>
-              <a:t>IETF MPLS WG Interim – April 2020 </a:t>
+              <a:t>108</a:t>
+            </a:r>
+            <a:r>
+              <a:rPr lang="en-CA" baseline="30000" dirty="0"/>
+              <a:t>th</a:t>
+            </a:r>
+            <a:r>
+              <a:rPr lang="en-CA" dirty="0"/>
+              <a:t> IETF Online</a:t>
             </a:r>
           </a:p>
         </p:txBody>
@@ -7071,7 +7119,7 @@
         </p:nvSpPr>
         <p:spPr>
           <a:xfrm>
-            <a:off x="3124200" y="4781550"/>
+            <a:off x="3124200" y="4862513"/>
             <a:ext cx="2895600" cy="357188"/>
           </a:xfrm>
         </p:spPr>
@@ -7081,7 +7129,15 @@
           <a:p>
             <a:r>
               <a:rPr lang="en-CA" dirty="0"/>
-              <a:t>IETF MPLS WG Interim – April 2020 </a:t>
+              <a:t>108</a:t>
+            </a:r>
+            <a:r>
+              <a:rPr lang="en-CA" baseline="30000" dirty="0"/>
+              <a:t>th</a:t>
+            </a:r>
+            <a:r>
+              <a:rPr lang="en-CA" dirty="0"/>
+              <a:t> IETF Online</a:t>
             </a:r>
           </a:p>
         </p:txBody>
@@ -7135,7 +7191,7 @@
         </p:nvSpPr>
         <p:spPr>
           <a:xfrm>
-            <a:off x="1943100" y="648324"/>
+            <a:off x="2076450" y="485208"/>
             <a:ext cx="5219700" cy="4392784"/>
           </a:xfrm>
           <a:prstGeom prst="rect">
@@ -7502,6 +7558,12 @@
             </a:r>
           </a:p>
           <a:p>
+            <a:r>
+              <a:rPr lang="en-US" sz="2400" dirty="0"/>
+              <a:t>Requesting WG adoption</a:t>
+            </a:r>
+          </a:p>
+          <a:p>
             <a:pPr lvl="0"/>
             <a:endParaRPr lang="en-US" sz="2400" dirty="0">
               <a:latin typeface="Calibri" charset="0"/>
@@ -7509,6 +7571,14 @@
               <a:cs typeface="Calibri" charset="0"/>
             </a:endParaRPr>
           </a:p>
+          <a:p>
+            <a:pPr lvl="0"/>
+            <a:endParaRPr lang="en-US" sz="2400" dirty="0">
+              <a:latin typeface="Calibri" charset="0"/>
+              <a:ea typeface="Calibri" charset="0"/>
+              <a:cs typeface="Calibri" charset="0"/>
+            </a:endParaRPr>
+          </a:p>
         </p:txBody>
       </p:sp>
       <p:sp>
@@ -7533,7 +7603,15 @@
           <a:p>
             <a:r>
               <a:rPr lang="en-CA" dirty="0"/>
-              <a:t>IETF MPLS WG Interim – April 2020 </a:t>
+              <a:t>108</a:t>
+            </a:r>
+            <a:r>
+              <a:rPr lang="en-CA" baseline="30000" dirty="0"/>
+              <a:t>th</a:t>
+            </a:r>
+            <a:r>
+              <a:rPr lang="en-CA" dirty="0"/>
+              <a:t> IETF Online</a:t>
             </a:r>
           </a:p>
         </p:txBody>
@@ -7619,7 +7697,15 @@
           <a:p>
             <a:r>
               <a:rPr lang="en-CA" dirty="0"/>
-              <a:t>IETF MPLS WG Interim – April 2020 </a:t>
+              <a:t>108</a:t>
+            </a:r>
+            <a:r>
+              <a:rPr lang="en-CA" baseline="30000" dirty="0"/>
+              <a:t>th</a:t>
+            </a:r>
+            <a:r>
+              <a:rPr lang="en-CA" dirty="0"/>
+              <a:t> IETF Online</a:t>
             </a:r>
           </a:p>
         </p:txBody>
@@ -8048,7 +8134,15 @@
           <a:p>
             <a:r>
               <a:rPr lang="en-CA" dirty="0"/>
-              <a:t>IETF MPLS WG Interim – April 2020 </a:t>
+              <a:t>108</a:t>
+            </a:r>
+            <a:r>
+              <a:rPr lang="en-CA" baseline="30000" dirty="0"/>
+              <a:t>th</a:t>
+            </a:r>
+            <a:r>
+              <a:rPr lang="en-CA" dirty="0"/>
+              <a:t> IETF Online</a:t>
             </a:r>
           </a:p>
         </p:txBody>
@@ -8134,7 +8228,15 @@
           <a:p>
             <a:r>
               <a:rPr lang="en-CA" dirty="0"/>
-              <a:t>IETF MPLS WG Interim – April 2020 </a:t>
+              <a:t>108</a:t>
+            </a:r>
+            <a:r>
+              <a:rPr lang="en-CA" baseline="30000" dirty="0"/>
+              <a:t>th</a:t>
+            </a:r>
+            <a:r>
+              <a:rPr lang="en-CA" dirty="0"/>
+              <a:t> IETF Online</a:t>
             </a:r>
           </a:p>
         </p:txBody>
@@ -8493,7 +8595,15 @@
           <a:p>
             <a:r>
               <a:rPr lang="en-CA" dirty="0"/>
-              <a:t>IETF MPLS WG Interim – April 2020 </a:t>
+              <a:t>108</a:t>
+            </a:r>
+            <a:r>
+              <a:rPr lang="en-CA" baseline="30000" dirty="0"/>
+              <a:t>th</a:t>
+            </a:r>
+            <a:r>
+              <a:rPr lang="en-CA" dirty="0"/>
+              <a:t> IETF Online</a:t>
             </a:r>
           </a:p>
         </p:txBody>
@@ -8820,7 +8930,15 @@
           <a:p>
             <a:r>
               <a:rPr lang="en-CA" dirty="0"/>
-              <a:t>IETF MPLS WG Interim – April 2020 </a:t>
+              <a:t>108</a:t>
+            </a:r>
+            <a:r>
+              <a:rPr lang="en-CA" baseline="30000" dirty="0"/>
+              <a:t>th</a:t>
+            </a:r>
+            <a:r>
+              <a:rPr lang="en-CA" dirty="0"/>
+              <a:t> IETF Online</a:t>
             </a:r>
           </a:p>
         </p:txBody>
@@ -9060,7 +9178,15 @@
           <a:p>
             <a:r>
               <a:rPr lang="en-CA" dirty="0"/>
-              <a:t>IETF MPLS WG Interim – April 2020 </a:t>
+              <a:t>108</a:t>
+            </a:r>
+            <a:r>
+              <a:rPr lang="en-CA" baseline="30000" dirty="0"/>
+              <a:t>th</a:t>
+            </a:r>
+            <a:r>
+              <a:rPr lang="en-CA" dirty="0"/>
+              <a:t> IETF Online</a:t>
             </a:r>
           </a:p>
         </p:txBody>
@@ -9274,7 +9400,15 @@
           <a:p>
             <a:r>
               <a:rPr lang="en-CA" dirty="0"/>
-              <a:t>IETF MPLS WG Interim – April 2020 </a:t>
+              <a:t>108</a:t>
+            </a:r>
+            <a:r>
+              <a:rPr lang="en-CA" baseline="30000" dirty="0"/>
+              <a:t>th</a:t>
+            </a:r>
+            <a:r>
+              <a:rPr lang="en-CA" dirty="0"/>
+              <a:t> IETF Online</a:t>
             </a:r>
           </a:p>
         </p:txBody>
@@ -9413,7 +9547,15 @@
           <a:p>
             <a:r>
               <a:rPr lang="en-CA" dirty="0"/>
-              <a:t>IETF MPLS WG Interim – April 2020 </a:t>
+              <a:t>108</a:t>
+            </a:r>
+            <a:r>
+              <a:rPr lang="en-CA" baseline="30000" dirty="0"/>
+              <a:t>th</a:t>
+            </a:r>
+            <a:r>
+              <a:rPr lang="en-CA" dirty="0"/>
+              <a:t> IETF Online</a:t>
             </a:r>
           </a:p>
         </p:txBody>
@@ -9843,7 +9985,15 @@
           <a:p>
             <a:r>
               <a:rPr lang="en-CA" dirty="0"/>
-              <a:t>IETF MPLS WG Interim – April 2020 </a:t>
+              <a:t>108</a:t>
+            </a:r>
+            <a:r>
+              <a:rPr lang="en-CA" baseline="30000" dirty="0"/>
+              <a:t>th</a:t>
+            </a:r>
+            <a:r>
+              <a:rPr lang="en-CA" dirty="0"/>
+              <a:t> IETF Online</a:t>
             </a:r>
           </a:p>
         </p:txBody>
@@ -10002,7 +10152,15 @@
           <a:p>
             <a:r>
               <a:rPr lang="en-CA" dirty="0"/>
-              <a:t>IETF MPLS WG Interim – April 2020 </a:t>
+              <a:t>108</a:t>
+            </a:r>
+            <a:r>
+              <a:rPr lang="en-CA" baseline="30000" dirty="0"/>
+              <a:t>th</a:t>
+            </a:r>
+            <a:r>
+              <a:rPr lang="en-CA" dirty="0"/>
+              <a:t> IETF Online</a:t>
             </a:r>
           </a:p>
         </p:txBody>
@@ -10541,7 +10699,15 @@
           <a:p>
             <a:r>
               <a:rPr lang="en-CA" dirty="0"/>
-              <a:t>IETF MPLS WG Interim – April 2020 </a:t>
+              <a:t>108</a:t>
+            </a:r>
+            <a:r>
+              <a:rPr lang="en-CA" baseline="30000" dirty="0"/>
+              <a:t>th</a:t>
+            </a:r>
+            <a:r>
+              <a:rPr lang="en-CA" dirty="0"/>
+              <a:t> IETF Online</a:t>
             </a:r>
           </a:p>
         </p:txBody>

--- a/draft-gandhi-mpls-ioam-sr-02.pptx
+++ b/draft-gandhi-mpls-ioam-sr-02.pptx
@@ -262,7 +262,7 @@
           <a:p>
             <a:fld id="{E8FA3DB5-7722-3F4F-947D-12B203669AD7}" type="datetimeFigureOut">
               <a:rPr lang="en-US" smtClean="0"/>
-              <a:t>7/6/20</a:t>
+              <a:t>7/21/20</a:t>
             </a:fld>
             <a:endParaRPr lang="en-US"/>
           </a:p>
@@ -5723,7 +5723,7 @@
         </p:nvSpPr>
         <p:spPr>
           <a:xfrm>
-            <a:off x="3009900" y="4771273"/>
+            <a:off x="3009900" y="4803357"/>
             <a:ext cx="2895600" cy="357188"/>
           </a:xfrm>
         </p:spPr>
@@ -6342,7 +6342,7 @@
         </p:nvSpPr>
         <p:spPr>
           <a:xfrm>
-            <a:off x="3124200" y="4786312"/>
+            <a:off x="3124200" y="4787315"/>
             <a:ext cx="2895600" cy="357188"/>
           </a:xfrm>
         </p:spPr>
@@ -6695,7 +6695,7 @@
         </p:nvSpPr>
         <p:spPr>
           <a:xfrm>
-            <a:off x="3124200" y="4781550"/>
+            <a:off x="3124200" y="4786312"/>
             <a:ext cx="2895600" cy="357188"/>
           </a:xfrm>
         </p:spPr>
@@ -7593,7 +7593,7 @@
         </p:nvSpPr>
         <p:spPr>
           <a:xfrm>
-            <a:off x="3124200" y="4786312"/>
+            <a:off x="3124200" y="4787315"/>
             <a:ext cx="2895600" cy="357188"/>
           </a:xfrm>
         </p:spPr>
@@ -7687,7 +7687,7 @@
         </p:nvSpPr>
         <p:spPr>
           <a:xfrm>
-            <a:off x="3048000" y="4786312"/>
+            <a:off x="3124200" y="4787315"/>
             <a:ext cx="2895600" cy="357188"/>
           </a:xfrm>
         </p:spPr>
@@ -8063,7 +8063,7 @@
             </a:pPr>
             <a:r>
               <a:rPr lang="en-US" sz="2000" dirty="0"/>
-              <a:t>Inform IPPM WG about the milestones (adoption, Last Call)</a:t>
+              <a:t>Inform IPPM WG about the milestones</a:t>
             </a:r>
           </a:p>
           <a:p>
@@ -8124,7 +8124,7 @@
         </p:nvSpPr>
         <p:spPr>
           <a:xfrm>
-            <a:off x="3124200" y="4786312"/>
+            <a:off x="3124200" y="4795336"/>
             <a:ext cx="2895600" cy="357188"/>
           </a:xfrm>
         </p:spPr>
@@ -8218,7 +8218,7 @@
         </p:nvSpPr>
         <p:spPr>
           <a:xfrm>
-            <a:off x="3048000" y="4786312"/>
+            <a:off x="3124200" y="4787315"/>
             <a:ext cx="2895600" cy="357188"/>
           </a:xfrm>
         </p:spPr>
@@ -9115,7 +9115,7 @@
           <a:p>
             <a:pPr lvl="1"/>
             <a:r>
-              <a:rPr lang="en-US" sz="1600" b="1" dirty="0"/>
+              <a:rPr lang="en-US" sz="1600" dirty="0"/>
               <a:t>Chairs agreed to progress the work in MPLS WG</a:t>
             </a:r>
           </a:p>

--- a/draft-gandhi-mpls-ioam-sr-02.pptx
+++ b/draft-gandhi-mpls-ioam-sr-02.pptx
@@ -262,7 +262,7 @@
           <a:p>
             <a:fld id="{E8FA3DB5-7722-3F4F-947D-12B203669AD7}" type="datetimeFigureOut">
               <a:rPr lang="en-US" smtClean="0"/>
-              <a:t>7/21/20</a:t>
+              <a:t>7/25/20</a:t>
             </a:fld>
             <a:endParaRPr lang="en-US"/>
           </a:p>
@@ -6102,7 +6102,11 @@
               <a:buAutoNum type="arabicPeriod"/>
             </a:pPr>
             <a:r>
-              <a:rPr lang="en-CA" sz="2000" dirty="0"/>
+              <a:rPr lang="en-CA" sz="2000" dirty="0">
+                <a:solidFill>
+                  <a:srgbClr val="0070C0"/>
+                </a:solidFill>
+              </a:rPr>
               <a:t>The label allocated by the decapsulating node</a:t>
             </a:r>
           </a:p>
@@ -6112,7 +6116,11 @@
               <a:buChar char="§"/>
             </a:pPr>
             <a:r>
-              <a:rPr lang="en-CA" sz="2000" dirty="0"/>
+              <a:rPr lang="en-CA" sz="2000" dirty="0">
+                <a:solidFill>
+                  <a:srgbClr val="0070C0"/>
+                </a:solidFill>
+              </a:rPr>
               <a:t>Signaling mechanism used to convey the label to all encapsulating nodes</a:t>
             </a:r>
           </a:p>
@@ -6292,7 +6300,11 @@
               <a:buAutoNum type="arabicPeriod"/>
             </a:pPr>
             <a:r>
-              <a:rPr lang="en-CA" sz="1800" dirty="0"/>
+              <a:rPr lang="en-CA" sz="1800" dirty="0">
+                <a:solidFill>
+                  <a:srgbClr val="0070C0"/>
+                </a:solidFill>
+              </a:rPr>
               <a:t>The transit node for hop-by-hop IOAM "forwards and punts the timestamped copy" of the data packet including IOAM data field(s). </a:t>
             </a:r>
           </a:p>
@@ -6531,7 +6543,19 @@
             </a:pPr>
             <a:r>
               <a:rPr lang="en-CA" sz="2000" dirty="0"/>
-              <a:t>The controller provisions the label on encapsulating, transit and decapsulating nodes</a:t>
+              <a:t>The controller provisions the label on encapsulating, </a:t>
+            </a:r>
+            <a:r>
+              <a:rPr lang="en-CA" sz="2000" dirty="0">
+                <a:solidFill>
+                  <a:srgbClr val="0070C0"/>
+                </a:solidFill>
+              </a:rPr>
+              <a:t>transit </a:t>
+            </a:r>
+            <a:r>
+              <a:rPr lang="en-CA" sz="2000" dirty="0"/>
+              <a:t>and decapsulating nodes</a:t>
             </a:r>
           </a:p>
         </p:txBody>
@@ -9056,103 +9080,124 @@
           <a:lstStyle/>
           <a:p>
             <a:r>
-              <a:rPr lang="en-US" sz="1600" dirty="0"/>
+              <a:rPr lang="en-US" sz="1400" dirty="0"/>
               <a:t>Oct 2018</a:t>
             </a:r>
           </a:p>
           <a:p>
             <a:pPr lvl="1"/>
             <a:r>
-              <a:rPr lang="en-US" sz="1600" dirty="0"/>
+              <a:rPr lang="en-US" sz="1400" dirty="0"/>
               <a:t>Draft was published </a:t>
             </a:r>
             <a:r>
-              <a:rPr lang="en-US" sz="1600" i="1" dirty="0"/>
+              <a:rPr lang="en-US" sz="1400" i="1" dirty="0"/>
               <a:t>draft-gandhi-spring-ioam-sr-mpls-00</a:t>
             </a:r>
           </a:p>
           <a:p>
             <a:r>
-              <a:rPr lang="en-US" sz="1600" dirty="0"/>
+              <a:rPr lang="en-US" sz="1400" dirty="0"/>
               <a:t>Nov 2018 and March 2019 </a:t>
             </a:r>
-            <a:endParaRPr lang="en-US" sz="1600" i="1" dirty="0"/>
+            <a:endParaRPr lang="en-US" sz="1400" i="1" dirty="0"/>
           </a:p>
           <a:p>
             <a:pPr lvl="1"/>
             <a:r>
-              <a:rPr lang="en-US" sz="1600" dirty="0"/>
+              <a:rPr lang="en-US" sz="1400" dirty="0"/>
               <a:t>Draft was discussed in IPPM WG meetings as part of the IOAM updates</a:t>
             </a:r>
           </a:p>
           <a:p>
             <a:r>
-              <a:rPr lang="en-US" sz="1600" dirty="0"/>
+              <a:rPr lang="en-US" sz="1400" dirty="0"/>
               <a:t>July 2019</a:t>
             </a:r>
           </a:p>
           <a:p>
             <a:pPr lvl="1"/>
             <a:r>
-              <a:rPr lang="en-US" sz="1600" dirty="0"/>
+              <a:rPr lang="en-US" sz="1400" dirty="0"/>
               <a:t>Presented </a:t>
             </a:r>
             <a:r>
-              <a:rPr lang="en-US" sz="1600" i="1" dirty="0"/>
+              <a:rPr lang="en-US" sz="1400" i="1" dirty="0"/>
               <a:t>draft-gandhi-spring-ioam-sr-mpls-01 </a:t>
             </a:r>
             <a:r>
-              <a:rPr lang="en-US" sz="1600" dirty="0"/>
+              <a:rPr lang="en-US" sz="1400" dirty="0"/>
               <a:t>at IETF 105 Montreal in SPRING and MPLS WGs</a:t>
             </a:r>
           </a:p>
           <a:p>
             <a:r>
-              <a:rPr lang="en-US" sz="1600" dirty="0"/>
+              <a:rPr lang="en-US" sz="1400" dirty="0"/>
               <a:t>Oct 2019</a:t>
             </a:r>
           </a:p>
           <a:p>
             <a:pPr lvl="1"/>
             <a:r>
-              <a:rPr lang="en-US" sz="1600" dirty="0"/>
+              <a:rPr lang="en-US" sz="1400" dirty="0"/>
               <a:t>Chairs agreed to progress the work in MPLS WG</a:t>
             </a:r>
           </a:p>
           <a:p>
             <a:pPr lvl="1"/>
             <a:r>
-              <a:rPr lang="en-US" sz="1600" dirty="0"/>
+              <a:rPr lang="en-US" sz="1400" dirty="0"/>
               <a:t>Draft renamed to </a:t>
             </a:r>
             <a:r>
-              <a:rPr lang="en-US" sz="1600" i="1" dirty="0"/>
+              <a:rPr lang="en-US" sz="1400" i="1" dirty="0"/>
               <a:t>draft-gandhi-mpls-ioam-sr-00 </a:t>
             </a:r>
           </a:p>
           <a:p>
             <a:r>
-              <a:rPr lang="en-US" sz="1600" dirty="0"/>
+              <a:rPr lang="en-US" sz="1400" dirty="0"/>
               <a:t>Nov 2019</a:t>
             </a:r>
           </a:p>
           <a:p>
             <a:pPr lvl="1"/>
             <a:r>
-              <a:rPr lang="en-US" sz="1600" dirty="0"/>
+              <a:rPr lang="en-US" sz="1400" dirty="0"/>
               <a:t>Presented </a:t>
             </a:r>
             <a:r>
-              <a:rPr lang="en-US" sz="1600" i="1" dirty="0"/>
+              <a:rPr lang="en-US" sz="1400" i="1" dirty="0"/>
               <a:t>draft-gandhi-mpls-ioam-sr-00</a:t>
             </a:r>
             <a:r>
-              <a:rPr lang="en-US" sz="1600" dirty="0"/>
+              <a:rPr lang="en-US" sz="1400" dirty="0"/>
               <a:t> at IETF 106 Singapore in MPLS WG</a:t>
             </a:r>
           </a:p>
           <a:p>
-            <a:endParaRPr lang="en-US" sz="1600" dirty="0"/>
+            <a:r>
+              <a:rPr lang="en-CA" sz="1400" dirty="0"/>
+              <a:t>Apr 2020</a:t>
+            </a:r>
+          </a:p>
+          <a:p>
+            <a:pPr lvl="1"/>
+            <a:r>
+              <a:rPr lang="en-US" sz="1400" dirty="0"/>
+              <a:t>Briefly presented </a:t>
+            </a:r>
+            <a:r>
+              <a:rPr lang="en-US" sz="1400" i="1" dirty="0"/>
+              <a:t>draft-gandhi-mpls-ioam-sr-02 </a:t>
+            </a:r>
+            <a:r>
+              <a:rPr lang="en-US" sz="1400" dirty="0"/>
+              <a:t>at IETF 107 in MPLS WG Interim</a:t>
+            </a:r>
+          </a:p>
+          <a:p>
+            <a:endParaRPr lang="en-US" sz="1400" dirty="0"/>
           </a:p>
         </p:txBody>
       </p:sp>
@@ -10539,7 +10584,7 @@
               </a:spcBef>
             </a:pPr>
             <a:r>
-              <a:rPr lang="en-CA" sz="1600" dirty="0"/>
+              <a:rPr lang="en-CA" sz="1400" dirty="0"/>
               <a:t>“IOAM and Flow Indicator Label” is used to indicate the presence of the IOAM data fields with Flow Label in the MPLS header.  </a:t>
             </a:r>
           </a:p>
@@ -10553,7 +10598,7 @@
               </a:spcBef>
             </a:pPr>
             <a:r>
-              <a:rPr lang="en-CA" sz="1600" dirty="0"/>
+              <a:rPr lang="en-CA" sz="1400" dirty="0"/>
               <a:t>Separate Label values are used for edge-to-edge and hop-by-hop IOAM:</a:t>
             </a:r>
           </a:p>
@@ -10567,7 +10612,7 @@
               </a:spcBef>
             </a:pPr>
             <a:r>
-              <a:rPr lang="en-CA" sz="1600" dirty="0"/>
+              <a:rPr lang="en-CA" sz="1400" dirty="0"/>
               <a:t>Edge-to-edge TBA2</a:t>
             </a:r>
           </a:p>
@@ -10581,7 +10626,7 @@
               </a:spcBef>
             </a:pPr>
             <a:r>
-              <a:rPr lang="en-CA" sz="1600" dirty="0"/>
+              <a:rPr lang="en-CA" sz="1400" dirty="0"/>
               <a:t>Hop-by-hop TBA4</a:t>
             </a:r>
           </a:p>
@@ -10595,12 +10640,26 @@
               </a:spcBef>
             </a:pPr>
             <a:r>
-              <a:rPr lang="en-CA" sz="1600" b="1" dirty="0"/>
+              <a:rPr lang="en-CA" sz="1400" b="1" dirty="0"/>
               <a:t>Protocol</a:t>
             </a:r>
             <a:r>
-              <a:rPr lang="en-CA" sz="1600" dirty="0"/>
-              <a:t> value 0000b allows to avoid incorrect IP header based hashing over ECMP paths.  </a:t>
+              <a:rPr lang="en-CA" sz="1400" dirty="0"/>
+              <a:t> value 0000b allows to avoid incorrect IP header based hashing over ECMP paths</a:t>
+            </a:r>
+          </a:p>
+          <a:p>
+            <a:pPr lvl="1">
+              <a:lnSpc>
+                <a:spcPts val="2120"/>
+              </a:lnSpc>
+              <a:spcBef>
+                <a:spcPts val="600"/>
+              </a:spcBef>
+            </a:pPr>
+            <a:r>
+              <a:rPr lang="en-CA" sz="1400" dirty="0"/>
+              <a:t>Using RFC 4928 defined procedure. This is similar to RFC 4385 for Generic PW MPLS Control Word.</a:t>
             </a:r>
           </a:p>
           <a:p>
@@ -10613,11 +10672,11 @@
               </a:spcBef>
             </a:pPr>
             <a:r>
-              <a:rPr lang="en-CA" sz="1600" b="1" dirty="0"/>
+              <a:rPr lang="en-CA" sz="1400" b="1" dirty="0"/>
               <a:t>Flow Label</a:t>
             </a:r>
             <a:r>
-              <a:rPr lang="en-CA" sz="1600" dirty="0"/>
+              <a:rPr lang="en-CA" sz="1400" dirty="0"/>
               <a:t> identifies the traffic flow that can be used for IOAM purpose.</a:t>
             </a:r>
           </a:p>
@@ -10631,11 +10690,11 @@
               </a:spcBef>
             </a:pPr>
             <a:r>
-              <a:rPr lang="en-CA" sz="1600" b="1" dirty="0"/>
+              <a:rPr lang="en-CA" sz="1400" b="1" dirty="0"/>
               <a:t>Block Number </a:t>
             </a:r>
             <a:r>
-              <a:rPr lang="en-CA" sz="1600" dirty="0"/>
+              <a:rPr lang="en-CA" sz="1400" dirty="0"/>
               <a:t>can be used to </a:t>
             </a:r>
           </a:p>
@@ -10649,11 +10708,11 @@
               </a:spcBef>
             </a:pPr>
             <a:r>
-              <a:rPr lang="en-CA" sz="1600" b="1" dirty="0"/>
+              <a:rPr lang="en-CA" sz="1400" b="1" dirty="0"/>
               <a:t>Aggregate</a:t>
             </a:r>
             <a:r>
-              <a:rPr lang="en-CA" sz="1600" dirty="0"/>
+              <a:rPr lang="en-CA" sz="1400" dirty="0"/>
               <a:t> IOAM data collected in data plane, e.g. compute measurement metrics for each block of a flow</a:t>
             </a:r>
           </a:p>
@@ -10667,11 +10726,11 @@
               </a:spcBef>
             </a:pPr>
             <a:r>
-              <a:rPr lang="en-CA" sz="1600" b="1" dirty="0"/>
+              <a:rPr lang="en-CA" sz="1400" b="1" dirty="0"/>
               <a:t>Correlate</a:t>
             </a:r>
             <a:r>
-              <a:rPr lang="en-CA" sz="1600" dirty="0"/>
+              <a:rPr lang="en-CA" sz="1400" dirty="0"/>
               <a:t> IOAM data from different nodes</a:t>
             </a:r>
           </a:p>

--- a/draft-gandhi-mpls-ioam-sr-02.pptx
+++ b/draft-gandhi-mpls-ioam-sr-02.pptx
@@ -5,10 +5,10 @@
     <p:sldMasterId id="2147483648" r:id="rId1"/>
   </p:sldMasterIdLst>
   <p:notesMasterIdLst>
-    <p:notesMasterId r:id="rId21"/>
+    <p:notesMasterId r:id="rId19"/>
   </p:notesMasterIdLst>
   <p:handoutMasterIdLst>
-    <p:handoutMasterId r:id="rId22"/>
+    <p:handoutMasterId r:id="rId20"/>
   </p:handoutMasterIdLst>
   <p:sldIdLst>
     <p:sldId id="256" r:id="rId2"/>
@@ -28,8 +28,6 @@
     <p:sldId id="1666" r:id="rId16"/>
     <p:sldId id="1661" r:id="rId17"/>
     <p:sldId id="303" r:id="rId18"/>
-    <p:sldId id="1660" r:id="rId19"/>
-    <p:sldId id="1665" r:id="rId20"/>
   </p:sldIdLst>
   <p:sldSz cx="9144000" cy="5143500" type="screen16x9"/>
   <p:notesSz cx="6858000" cy="9144000"/>
@@ -262,7 +260,7 @@
           <a:p>
             <a:fld id="{E8FA3DB5-7722-3F4F-947D-12B203669AD7}" type="datetimeFigureOut">
               <a:rPr lang="en-US" smtClean="0"/>
-              <a:t>7/25/20</a:t>
+              <a:t>7/27/20</a:t>
             </a:fld>
             <a:endParaRPr lang="en-US"/>
           </a:p>
@@ -1230,186 +1228,6 @@
     <p:extLst>
       <p:ext uri="{BB962C8B-B14F-4D97-AF65-F5344CB8AC3E}">
         <p14:creationId xmlns:p14="http://schemas.microsoft.com/office/powerpoint/2010/main" val="383772479"/>
-      </p:ext>
-    </p:extLst>
-  </p:cSld>
-  <p:clrMapOvr>
-    <a:masterClrMapping/>
-  </p:clrMapOvr>
-</p:notes>
-</file>
-
-<file path=ppt/notesSlides/notesSlide14.xml><?xml version="1.0" encoding="utf-8"?>
-<p:notes xmlns:a="http://schemas.openxmlformats.org/drawingml/2006/main" xmlns:r="http://schemas.openxmlformats.org/officeDocument/2006/relationships" xmlns:p="http://schemas.openxmlformats.org/presentationml/2006/main">
-  <p:cSld>
-    <p:spTree>
-      <p:nvGrpSpPr>
-        <p:cNvPr id="1" name=""/>
-        <p:cNvGrpSpPr/>
-        <p:nvPr/>
-      </p:nvGrpSpPr>
-      <p:grpSpPr>
-        <a:xfrm>
-          <a:off x="0" y="0"/>
-          <a:ext cx="0" cy="0"/>
-          <a:chOff x="0" y="0"/>
-          <a:chExt cx="0" cy="0"/>
-        </a:xfrm>
-      </p:grpSpPr>
-      <p:sp>
-        <p:nvSpPr>
-          <p:cNvPr id="2" name="Slide Image Placeholder 1"/>
-          <p:cNvSpPr>
-            <a:spLocks noGrp="1" noRot="1" noChangeAspect="1"/>
-          </p:cNvSpPr>
-          <p:nvPr>
-            <p:ph type="sldImg"/>
-          </p:nvPr>
-        </p:nvSpPr>
-        <p:spPr/>
-      </p:sp>
-      <p:sp>
-        <p:nvSpPr>
-          <p:cNvPr id="3" name="Notes Placeholder 2"/>
-          <p:cNvSpPr>
-            <a:spLocks noGrp="1"/>
-          </p:cNvSpPr>
-          <p:nvPr>
-            <p:ph type="body" idx="1"/>
-          </p:nvPr>
-        </p:nvSpPr>
-        <p:spPr/>
-        <p:txBody>
-          <a:bodyPr/>
-          <a:lstStyle/>
-          <a:p>
-            <a:endParaRPr lang="en-CA" dirty="0"/>
-          </a:p>
-        </p:txBody>
-      </p:sp>
-      <p:sp>
-        <p:nvSpPr>
-          <p:cNvPr id="4" name="Slide Number Placeholder 3"/>
-          <p:cNvSpPr>
-            <a:spLocks noGrp="1"/>
-          </p:cNvSpPr>
-          <p:nvPr>
-            <p:ph type="sldNum" sz="quarter" idx="10"/>
-          </p:nvPr>
-        </p:nvSpPr>
-        <p:spPr/>
-        <p:txBody>
-          <a:bodyPr/>
-          <a:lstStyle/>
-          <a:p>
-            <a:pPr>
-              <a:defRPr/>
-            </a:pPr>
-            <a:fld id="{100938BD-FD70-4535-B0C2-13FC38CDF1BE}" type="slidenum">
-              <a:rPr lang="en-US" altLang="zh-CN" smtClean="0"/>
-              <a:pPr>
-                <a:defRPr/>
-              </a:pPr>
-              <a:t>18</a:t>
-            </a:fld>
-            <a:endParaRPr lang="en-US" altLang="zh-CN"/>
-          </a:p>
-        </p:txBody>
-      </p:sp>
-    </p:spTree>
-    <p:extLst>
-      <p:ext uri="{BB962C8B-B14F-4D97-AF65-F5344CB8AC3E}">
-        <p14:creationId xmlns:p14="http://schemas.microsoft.com/office/powerpoint/2010/main" val="1820429858"/>
-      </p:ext>
-    </p:extLst>
-  </p:cSld>
-  <p:clrMapOvr>
-    <a:masterClrMapping/>
-  </p:clrMapOvr>
-</p:notes>
-</file>
-
-<file path=ppt/notesSlides/notesSlide15.xml><?xml version="1.0" encoding="utf-8"?>
-<p:notes xmlns:a="http://schemas.openxmlformats.org/drawingml/2006/main" xmlns:r="http://schemas.openxmlformats.org/officeDocument/2006/relationships" xmlns:p="http://schemas.openxmlformats.org/presentationml/2006/main">
-  <p:cSld>
-    <p:spTree>
-      <p:nvGrpSpPr>
-        <p:cNvPr id="1" name=""/>
-        <p:cNvGrpSpPr/>
-        <p:nvPr/>
-      </p:nvGrpSpPr>
-      <p:grpSpPr>
-        <a:xfrm>
-          <a:off x="0" y="0"/>
-          <a:ext cx="0" cy="0"/>
-          <a:chOff x="0" y="0"/>
-          <a:chExt cx="0" cy="0"/>
-        </a:xfrm>
-      </p:grpSpPr>
-      <p:sp>
-        <p:nvSpPr>
-          <p:cNvPr id="2" name="Slide Image Placeholder 1"/>
-          <p:cNvSpPr>
-            <a:spLocks noGrp="1" noRot="1" noChangeAspect="1"/>
-          </p:cNvSpPr>
-          <p:nvPr>
-            <p:ph type="sldImg"/>
-          </p:nvPr>
-        </p:nvSpPr>
-        <p:spPr/>
-      </p:sp>
-      <p:sp>
-        <p:nvSpPr>
-          <p:cNvPr id="3" name="Notes Placeholder 2"/>
-          <p:cNvSpPr>
-            <a:spLocks noGrp="1"/>
-          </p:cNvSpPr>
-          <p:nvPr>
-            <p:ph type="body" idx="1"/>
-          </p:nvPr>
-        </p:nvSpPr>
-        <p:spPr/>
-        <p:txBody>
-          <a:bodyPr/>
-          <a:lstStyle/>
-          <a:p>
-            <a:endParaRPr lang="en-US" dirty="0"/>
-          </a:p>
-        </p:txBody>
-      </p:sp>
-      <p:sp>
-        <p:nvSpPr>
-          <p:cNvPr id="4" name="Slide Number Placeholder 3"/>
-          <p:cNvSpPr>
-            <a:spLocks noGrp="1"/>
-          </p:cNvSpPr>
-          <p:nvPr>
-            <p:ph type="sldNum" sz="quarter" idx="10"/>
-          </p:nvPr>
-        </p:nvSpPr>
-        <p:spPr/>
-        <p:txBody>
-          <a:bodyPr/>
-          <a:lstStyle/>
-          <a:p>
-            <a:pPr>
-              <a:defRPr/>
-            </a:pPr>
-            <a:fld id="{100938BD-FD70-4535-B0C2-13FC38CDF1BE}" type="slidenum">
-              <a:rPr lang="en-US" altLang="zh-CN" smtClean="0"/>
-              <a:pPr>
-                <a:defRPr/>
-              </a:pPr>
-              <a:t>19</a:t>
-            </a:fld>
-            <a:endParaRPr lang="en-US" altLang="zh-CN"/>
-          </a:p>
-        </p:txBody>
-      </p:sp>
-    </p:spTree>
-    <p:extLst>
-      <p:ext uri="{BB962C8B-B14F-4D97-AF65-F5344CB8AC3E}">
-        <p14:creationId xmlns:p14="http://schemas.microsoft.com/office/powerpoint/2010/main" val="1987724756"/>
       </p:ext>
     </p:extLst>
   </p:cSld>
@@ -7564,7 +7382,7 @@
         <p:spPr>
           <a:xfrm>
             <a:off x="762000" y="1200150"/>
-            <a:ext cx="7772400" cy="2971800"/>
+            <a:ext cx="7772400" cy="2743200"/>
           </a:xfrm>
         </p:spPr>
         <p:txBody>
@@ -7584,8 +7402,64 @@
           <a:p>
             <a:r>
               <a:rPr lang="en-US" sz="2400" dirty="0"/>
-              <a:t>Requesting WG adoption</a:t>
-            </a:r>
+              <a:t>Requesting MPLS WG adoption</a:t>
+            </a:r>
+          </a:p>
+          <a:p>
+            <a:pPr>
+              <a:lnSpc>
+                <a:spcPts val="2500"/>
+              </a:lnSpc>
+              <a:spcBef>
+                <a:spcPts val="600"/>
+              </a:spcBef>
+            </a:pPr>
+            <a:r>
+              <a:rPr lang="en-US" sz="2400" dirty="0"/>
+              <a:t>Keep SPRING WG in the loop for SR aspects</a:t>
+            </a:r>
+          </a:p>
+          <a:p>
+            <a:pPr>
+              <a:lnSpc>
+                <a:spcPts val="2500"/>
+              </a:lnSpc>
+              <a:spcBef>
+                <a:spcPts val="600"/>
+              </a:spcBef>
+            </a:pPr>
+            <a:r>
+              <a:rPr lang="en-US" sz="2400" dirty="0"/>
+              <a:t>Inform IPPM WG about the milestones</a:t>
+            </a:r>
+          </a:p>
+          <a:p>
+            <a:pPr lvl="1">
+              <a:lnSpc>
+                <a:spcPts val="2500"/>
+              </a:lnSpc>
+              <a:spcBef>
+                <a:spcPts val="600"/>
+              </a:spcBef>
+            </a:pPr>
+            <a:r>
+              <a:rPr lang="en-US" sz="2400" dirty="0"/>
+              <a:t>IOAM base work is done in IPPM WG</a:t>
+            </a:r>
+          </a:p>
+          <a:p>
+            <a:pPr lvl="0">
+              <a:lnSpc>
+                <a:spcPts val="2500"/>
+              </a:lnSpc>
+              <a:spcBef>
+                <a:spcPts val="600"/>
+              </a:spcBef>
+            </a:pPr>
+            <a:endParaRPr lang="en-US" sz="2400" dirty="0"/>
+          </a:p>
+          <a:p>
+            <a:endParaRPr lang="en-US" sz="2400" dirty="0"/>
           </a:p>
           <a:p>
             <a:pPr lvl="0"/>
@@ -7965,537 +7839,6 @@
 </p:sld>
 </file>
 
-<file path=ppt/slides/slide18.xml><?xml version="1.0" encoding="utf-8"?>
-<p:sld xmlns:a="http://schemas.openxmlformats.org/drawingml/2006/main" xmlns:r="http://schemas.openxmlformats.org/officeDocument/2006/relationships" xmlns:p="http://schemas.openxmlformats.org/presentationml/2006/main">
-  <p:cSld>
-    <p:spTree>
-      <p:nvGrpSpPr>
-        <p:cNvPr id="1" name=""/>
-        <p:cNvGrpSpPr/>
-        <p:nvPr/>
-      </p:nvGrpSpPr>
-      <p:grpSpPr>
-        <a:xfrm>
-          <a:off x="0" y="0"/>
-          <a:ext cx="0" cy="0"/>
-          <a:chOff x="0" y="0"/>
-          <a:chExt cx="0" cy="0"/>
-        </a:xfrm>
-      </p:grpSpPr>
-      <p:sp>
-        <p:nvSpPr>
-          <p:cNvPr id="2" name="Title 1"/>
-          <p:cNvSpPr>
-            <a:spLocks noGrp="1"/>
-          </p:cNvSpPr>
-          <p:nvPr>
-            <p:ph type="title"/>
-          </p:nvPr>
-        </p:nvSpPr>
-        <p:spPr>
-          <a:xfrm>
-            <a:off x="457200" y="38100"/>
-            <a:ext cx="8229600" cy="857250"/>
-          </a:xfrm>
-        </p:spPr>
-        <p:txBody>
-          <a:bodyPr/>
-          <a:lstStyle/>
-          <a:p>
-            <a:r>
-              <a:rPr lang="en-US" sz="3600" dirty="0">
-                <a:solidFill>
-                  <a:srgbClr val="0070C0"/>
-                </a:solidFill>
-                <a:latin typeface="Calibri Light" panose="020F0302020204030204" pitchFamily="34" charset="0"/>
-                <a:cs typeface="Calibri Light" panose="020F0302020204030204" pitchFamily="34" charset="0"/>
-              </a:rPr>
-              <a:t>WG Co-ordination Plan</a:t>
-            </a:r>
-          </a:p>
-        </p:txBody>
-      </p:sp>
-      <p:sp>
-        <p:nvSpPr>
-          <p:cNvPr id="3" name="Content Placeholder 2"/>
-          <p:cNvSpPr>
-            <a:spLocks noGrp="1"/>
-          </p:cNvSpPr>
-          <p:nvPr>
-            <p:ph idx="1"/>
-          </p:nvPr>
-        </p:nvSpPr>
-        <p:spPr>
-          <a:xfrm>
-            <a:off x="685800" y="971550"/>
-            <a:ext cx="7772400" cy="3200400"/>
-          </a:xfrm>
-        </p:spPr>
-        <p:txBody>
-          <a:bodyPr/>
-          <a:lstStyle/>
-          <a:p>
-            <a:pPr>
-              <a:lnSpc>
-                <a:spcPts val="2500"/>
-              </a:lnSpc>
-              <a:spcBef>
-                <a:spcPts val="600"/>
-              </a:spcBef>
-            </a:pPr>
-            <a:r>
-              <a:rPr lang="en-US" sz="2000" dirty="0"/>
-              <a:t>Draft to progress in MPLS WG</a:t>
-            </a:r>
-          </a:p>
-          <a:p>
-            <a:pPr lvl="1">
-              <a:lnSpc>
-                <a:spcPts val="2500"/>
-              </a:lnSpc>
-              <a:spcBef>
-                <a:spcPts val="600"/>
-              </a:spcBef>
-            </a:pPr>
-            <a:r>
-              <a:rPr lang="en-US" sz="2000" dirty="0"/>
-              <a:t>IANA code-points allocated by MPLS WG</a:t>
-            </a:r>
-          </a:p>
-          <a:p>
-            <a:pPr>
-              <a:lnSpc>
-                <a:spcPts val="2500"/>
-              </a:lnSpc>
-              <a:spcBef>
-                <a:spcPts val="600"/>
-              </a:spcBef>
-            </a:pPr>
-            <a:r>
-              <a:rPr lang="en-US" sz="2000" dirty="0"/>
-              <a:t>Keep SPRING WG in the loop for SR aspects</a:t>
-            </a:r>
-          </a:p>
-          <a:p>
-            <a:pPr>
-              <a:lnSpc>
-                <a:spcPts val="2500"/>
-              </a:lnSpc>
-              <a:spcBef>
-                <a:spcPts val="600"/>
-              </a:spcBef>
-            </a:pPr>
-            <a:r>
-              <a:rPr lang="en-US" sz="2000" dirty="0"/>
-              <a:t>Inform IPPM WG about the milestones</a:t>
-            </a:r>
-          </a:p>
-          <a:p>
-            <a:pPr lvl="1">
-              <a:lnSpc>
-                <a:spcPts val="2500"/>
-              </a:lnSpc>
-              <a:spcBef>
-                <a:spcPts val="600"/>
-              </a:spcBef>
-            </a:pPr>
-            <a:r>
-              <a:rPr lang="en-US" sz="2000" dirty="0"/>
-              <a:t>IOAM base work is done in IPPM WG</a:t>
-            </a:r>
-          </a:p>
-          <a:p>
-            <a:pPr lvl="0">
-              <a:lnSpc>
-                <a:spcPts val="2500"/>
-              </a:lnSpc>
-              <a:spcBef>
-                <a:spcPts val="600"/>
-              </a:spcBef>
-            </a:pPr>
-            <a:endParaRPr lang="en-US" sz="2000" dirty="0">
-              <a:latin typeface="Calibri" charset="0"/>
-              <a:ea typeface="Calibri" charset="0"/>
-              <a:cs typeface="Calibri" charset="0"/>
-            </a:endParaRPr>
-          </a:p>
-          <a:p>
-            <a:pPr>
-              <a:lnSpc>
-                <a:spcPts val="2500"/>
-              </a:lnSpc>
-              <a:spcBef>
-                <a:spcPts val="600"/>
-              </a:spcBef>
-            </a:pPr>
-            <a:endParaRPr lang="en-US" sz="2000" dirty="0">
-              <a:latin typeface="Calibri" charset="0"/>
-              <a:ea typeface="Calibri" charset="0"/>
-              <a:cs typeface="Calibri" charset="0"/>
-            </a:endParaRPr>
-          </a:p>
-        </p:txBody>
-      </p:sp>
-      <p:sp>
-        <p:nvSpPr>
-          <p:cNvPr id="4" name="Footer Placeholder 3"/>
-          <p:cNvSpPr>
-            <a:spLocks noGrp="1"/>
-          </p:cNvSpPr>
-          <p:nvPr>
-            <p:ph type="ftr" sz="quarter" idx="11"/>
-          </p:nvPr>
-        </p:nvSpPr>
-        <p:spPr>
-          <a:xfrm>
-            <a:off x="3124200" y="4795336"/>
-            <a:ext cx="2895600" cy="357188"/>
-          </a:xfrm>
-        </p:spPr>
-        <p:txBody>
-          <a:bodyPr/>
-          <a:lstStyle/>
-          <a:p>
-            <a:r>
-              <a:rPr lang="en-CA" dirty="0"/>
-              <a:t>108</a:t>
-            </a:r>
-            <a:r>
-              <a:rPr lang="en-CA" baseline="30000" dirty="0"/>
-              <a:t>th</a:t>
-            </a:r>
-            <a:r>
-              <a:rPr lang="en-CA" dirty="0"/>
-              <a:t> IETF Online</a:t>
-            </a:r>
-          </a:p>
-        </p:txBody>
-      </p:sp>
-      <p:sp>
-        <p:nvSpPr>
-          <p:cNvPr id="5" name="Slide Number Placeholder 4"/>
-          <p:cNvSpPr>
-            <a:spLocks noGrp="1"/>
-          </p:cNvSpPr>
-          <p:nvPr>
-            <p:ph type="sldNum" sz="quarter" idx="12"/>
-          </p:nvPr>
-        </p:nvSpPr>
-        <p:spPr/>
-        <p:txBody>
-          <a:bodyPr/>
-          <a:lstStyle/>
-          <a:p>
-            <a:pPr>
-              <a:defRPr/>
-            </a:pPr>
-            <a:fld id="{BD6E0F59-1DD8-40FC-9C92-B6295CBA6CCA}" type="slidenum">
-              <a:rPr lang="en-US" altLang="zh-CN" smtClean="0"/>
-              <a:pPr>
-                <a:defRPr/>
-              </a:pPr>
-              <a:t>18</a:t>
-            </a:fld>
-            <a:endParaRPr lang="en-US" altLang="zh-CN"/>
-          </a:p>
-        </p:txBody>
-      </p:sp>
-    </p:spTree>
-    <p:extLst>
-      <p:ext uri="{BB962C8B-B14F-4D97-AF65-F5344CB8AC3E}">
-        <p14:creationId xmlns:p14="http://schemas.microsoft.com/office/powerpoint/2010/main" val="1952692311"/>
-      </p:ext>
-    </p:extLst>
-  </p:cSld>
-  <p:clrMapOvr>
-    <a:masterClrMapping/>
-  </p:clrMapOvr>
-</p:sld>
-</file>
-
-<file path=ppt/slides/slide19.xml><?xml version="1.0" encoding="utf-8"?>
-<p:sld xmlns:a="http://schemas.openxmlformats.org/drawingml/2006/main" xmlns:r="http://schemas.openxmlformats.org/officeDocument/2006/relationships" xmlns:p="http://schemas.openxmlformats.org/presentationml/2006/main">
-  <p:cSld>
-    <p:spTree>
-      <p:nvGrpSpPr>
-        <p:cNvPr id="1" name=""/>
-        <p:cNvGrpSpPr/>
-        <p:nvPr/>
-      </p:nvGrpSpPr>
-      <p:grpSpPr>
-        <a:xfrm>
-          <a:off x="0" y="0"/>
-          <a:ext cx="0" cy="0"/>
-          <a:chOff x="0" y="0"/>
-          <a:chExt cx="0" cy="0"/>
-        </a:xfrm>
-      </p:grpSpPr>
-      <p:sp>
-        <p:nvSpPr>
-          <p:cNvPr id="4" name="Footer Placeholder 3"/>
-          <p:cNvSpPr>
-            <a:spLocks noGrp="1"/>
-          </p:cNvSpPr>
-          <p:nvPr>
-            <p:ph type="ftr" sz="quarter" idx="11"/>
-          </p:nvPr>
-        </p:nvSpPr>
-        <p:spPr>
-          <a:xfrm>
-            <a:off x="3124200" y="4787315"/>
-            <a:ext cx="2895600" cy="357188"/>
-          </a:xfrm>
-        </p:spPr>
-        <p:txBody>
-          <a:bodyPr/>
-          <a:lstStyle/>
-          <a:p>
-            <a:r>
-              <a:rPr lang="en-CA" dirty="0"/>
-              <a:t>108</a:t>
-            </a:r>
-            <a:r>
-              <a:rPr lang="en-CA" baseline="30000" dirty="0"/>
-              <a:t>th</a:t>
-            </a:r>
-            <a:r>
-              <a:rPr lang="en-CA" dirty="0"/>
-              <a:t> IETF Online</a:t>
-            </a:r>
-          </a:p>
-        </p:txBody>
-      </p:sp>
-      <p:sp>
-        <p:nvSpPr>
-          <p:cNvPr id="5" name="Rectangle 2"/>
-          <p:cNvSpPr txBox="1">
-            <a:spLocks noChangeArrowheads="1"/>
-          </p:cNvSpPr>
-          <p:nvPr/>
-        </p:nvSpPr>
-        <p:spPr bwMode="auto">
-          <a:xfrm>
-            <a:off x="685800" y="1657350"/>
-            <a:ext cx="7772400" cy="1102519"/>
-          </a:xfrm>
-          <a:prstGeom prst="rect">
-            <a:avLst/>
-          </a:prstGeom>
-          <a:noFill/>
-          <a:ln w="9525">
-            <a:noFill/>
-            <a:miter lim="800000"/>
-            <a:headEnd/>
-            <a:tailEnd/>
-          </a:ln>
-          <a:effectLst/>
-        </p:spPr>
-        <p:txBody>
-          <a:bodyPr vert="horz" wrap="square" lIns="91440" tIns="45720" rIns="91440" bIns="45720" numCol="1" anchor="ctr" anchorCtr="0" compatLnSpc="1">
-            <a:prstTxWarp prst="textNoShape">
-              <a:avLst/>
-            </a:prstTxWarp>
-          </a:bodyPr>
-          <a:lstStyle>
-            <a:lvl1pPr algn="ctr" rtl="0" eaLnBrk="0" fontAlgn="base" hangingPunct="0">
-              <a:spcBef>
-                <a:spcPct val="0"/>
-              </a:spcBef>
-              <a:spcAft>
-                <a:spcPct val="0"/>
-              </a:spcAft>
-              <a:defRPr sz="4400">
-                <a:solidFill>
-                  <a:schemeClr val="tx2"/>
-                </a:solidFill>
-                <a:latin typeface="+mj-lt"/>
-                <a:ea typeface="+mj-ea"/>
-                <a:cs typeface="+mj-cs"/>
-              </a:defRPr>
-            </a:lvl1pPr>
-            <a:lvl2pPr algn="ctr" rtl="0" eaLnBrk="0" fontAlgn="base" hangingPunct="0">
-              <a:spcBef>
-                <a:spcPct val="0"/>
-              </a:spcBef>
-              <a:spcAft>
-                <a:spcPct val="0"/>
-              </a:spcAft>
-              <a:defRPr sz="4400">
-                <a:solidFill>
-                  <a:schemeClr val="tx2"/>
-                </a:solidFill>
-                <a:latin typeface="Arial" charset="0"/>
-                <a:ea typeface="宋体" pitchFamily="2" charset="-122"/>
-              </a:defRPr>
-            </a:lvl2pPr>
-            <a:lvl3pPr algn="ctr" rtl="0" eaLnBrk="0" fontAlgn="base" hangingPunct="0">
-              <a:spcBef>
-                <a:spcPct val="0"/>
-              </a:spcBef>
-              <a:spcAft>
-                <a:spcPct val="0"/>
-              </a:spcAft>
-              <a:defRPr sz="4400">
-                <a:solidFill>
-                  <a:schemeClr val="tx2"/>
-                </a:solidFill>
-                <a:latin typeface="Arial" charset="0"/>
-                <a:ea typeface="宋体" pitchFamily="2" charset="-122"/>
-              </a:defRPr>
-            </a:lvl3pPr>
-            <a:lvl4pPr algn="ctr" rtl="0" eaLnBrk="0" fontAlgn="base" hangingPunct="0">
-              <a:spcBef>
-                <a:spcPct val="0"/>
-              </a:spcBef>
-              <a:spcAft>
-                <a:spcPct val="0"/>
-              </a:spcAft>
-              <a:defRPr sz="4400">
-                <a:solidFill>
-                  <a:schemeClr val="tx2"/>
-                </a:solidFill>
-                <a:latin typeface="Arial" charset="0"/>
-                <a:ea typeface="宋体" pitchFamily="2" charset="-122"/>
-              </a:defRPr>
-            </a:lvl4pPr>
-            <a:lvl5pPr algn="ctr" rtl="0" eaLnBrk="0" fontAlgn="base" hangingPunct="0">
-              <a:spcBef>
-                <a:spcPct val="0"/>
-              </a:spcBef>
-              <a:spcAft>
-                <a:spcPct val="0"/>
-              </a:spcAft>
-              <a:defRPr sz="4400">
-                <a:solidFill>
-                  <a:schemeClr val="tx2"/>
-                </a:solidFill>
-                <a:latin typeface="Arial" charset="0"/>
-                <a:ea typeface="宋体" pitchFamily="2" charset="-122"/>
-              </a:defRPr>
-            </a:lvl5pPr>
-            <a:lvl6pPr marL="457200" algn="ctr" rtl="0" fontAlgn="base">
-              <a:spcBef>
-                <a:spcPct val="0"/>
-              </a:spcBef>
-              <a:spcAft>
-                <a:spcPct val="0"/>
-              </a:spcAft>
-              <a:defRPr sz="4400">
-                <a:solidFill>
-                  <a:schemeClr val="tx2"/>
-                </a:solidFill>
-                <a:latin typeface="Arial" charset="0"/>
-                <a:ea typeface="宋体" pitchFamily="2" charset="-122"/>
-              </a:defRPr>
-            </a:lvl6pPr>
-            <a:lvl7pPr marL="914400" algn="ctr" rtl="0" fontAlgn="base">
-              <a:spcBef>
-                <a:spcPct val="0"/>
-              </a:spcBef>
-              <a:spcAft>
-                <a:spcPct val="0"/>
-              </a:spcAft>
-              <a:defRPr sz="4400">
-                <a:solidFill>
-                  <a:schemeClr val="tx2"/>
-                </a:solidFill>
-                <a:latin typeface="Arial" charset="0"/>
-                <a:ea typeface="宋体" pitchFamily="2" charset="-122"/>
-              </a:defRPr>
-            </a:lvl7pPr>
-            <a:lvl8pPr marL="1371600" algn="ctr" rtl="0" fontAlgn="base">
-              <a:spcBef>
-                <a:spcPct val="0"/>
-              </a:spcBef>
-              <a:spcAft>
-                <a:spcPct val="0"/>
-              </a:spcAft>
-              <a:defRPr sz="4400">
-                <a:solidFill>
-                  <a:schemeClr val="tx2"/>
-                </a:solidFill>
-                <a:latin typeface="Arial" charset="0"/>
-                <a:ea typeface="宋体" pitchFamily="2" charset="-122"/>
-              </a:defRPr>
-            </a:lvl8pPr>
-            <a:lvl9pPr marL="1828800" algn="ctr" rtl="0" fontAlgn="base">
-              <a:spcBef>
-                <a:spcPct val="0"/>
-              </a:spcBef>
-              <a:spcAft>
-                <a:spcPct val="0"/>
-              </a:spcAft>
-              <a:defRPr sz="4400">
-                <a:solidFill>
-                  <a:schemeClr val="tx2"/>
-                </a:solidFill>
-                <a:latin typeface="Arial" charset="0"/>
-                <a:ea typeface="宋体" pitchFamily="2" charset="-122"/>
-              </a:defRPr>
-            </a:lvl9pPr>
-          </a:lstStyle>
-          <a:p>
-            <a:pPr eaLnBrk="1" hangingPunct="1">
-              <a:defRPr/>
-            </a:pPr>
-            <a:r>
-              <a:rPr lang="en-US" altLang="zh-CN" sz="4000" kern="0" dirty="0">
-                <a:effectLst>
-                  <a:outerShdw blurRad="38100" dist="38100" dir="2700000" algn="tl">
-                    <a:srgbClr val="C0C0C0"/>
-                  </a:outerShdw>
-                </a:effectLst>
-                <a:latin typeface="Calibri" charset="0"/>
-                <a:ea typeface="Calibri" charset="0"/>
-                <a:cs typeface="Calibri" charset="0"/>
-              </a:rPr>
-              <a:t>Thank you</a:t>
-            </a:r>
-          </a:p>
-        </p:txBody>
-      </p:sp>
-      <p:sp>
-        <p:nvSpPr>
-          <p:cNvPr id="2" name="Slide Number Placeholder 1"/>
-          <p:cNvSpPr>
-            <a:spLocks noGrp="1"/>
-          </p:cNvSpPr>
-          <p:nvPr>
-            <p:ph type="sldNum" sz="quarter" idx="12"/>
-          </p:nvPr>
-        </p:nvSpPr>
-        <p:spPr/>
-        <p:txBody>
-          <a:bodyPr/>
-          <a:lstStyle/>
-          <a:p>
-            <a:pPr>
-              <a:defRPr/>
-            </a:pPr>
-            <a:fld id="{BD6E0F59-1DD8-40FC-9C92-B6295CBA6CCA}" type="slidenum">
-              <a:rPr lang="en-US" altLang="zh-CN" smtClean="0"/>
-              <a:pPr>
-                <a:defRPr/>
-              </a:pPr>
-              <a:t>19</a:t>
-            </a:fld>
-            <a:endParaRPr lang="en-US" altLang="zh-CN"/>
-          </a:p>
-        </p:txBody>
-      </p:sp>
-    </p:spTree>
-    <p:extLst>
-      <p:ext uri="{BB962C8B-B14F-4D97-AF65-F5344CB8AC3E}">
-        <p14:creationId xmlns:p14="http://schemas.microsoft.com/office/powerpoint/2010/main" val="1829955636"/>
-      </p:ext>
-    </p:extLst>
-  </p:cSld>
-  <p:clrMapOvr>
-    <a:masterClrMapping/>
-  </p:clrMapOvr>
-</p:sld>
-</file>
-
 <file path=ppt/slides/slide2.xml><?xml version="1.0" encoding="utf-8"?>
 <p:sld xmlns:a="http://schemas.openxmlformats.org/drawingml/2006/main" xmlns:r="http://schemas.openxmlformats.org/officeDocument/2006/relationships" xmlns:p="http://schemas.openxmlformats.org/presentationml/2006/main">
   <p:cSld>
@@ -9185,7 +8528,7 @@
             <a:pPr lvl="1"/>
             <a:r>
               <a:rPr lang="en-US" sz="1400" dirty="0"/>
-              <a:t>Briefly presented </a:t>
+              <a:t>Quickly presented </a:t>
             </a:r>
             <a:r>
               <a:rPr lang="en-US" sz="1400" i="1" dirty="0"/>

--- a/draft-gandhi-mpls-ioam-sr-02.pptx
+++ b/draft-gandhi-mpls-ioam-sr-02.pptx
@@ -260,7 +260,7 @@
           <a:p>
             <a:fld id="{E8FA3DB5-7722-3F4F-947D-12B203669AD7}" type="datetimeFigureOut">
               <a:rPr lang="en-US" smtClean="0"/>
-              <a:t>7/27/20</a:t>
+              <a:t>7/31/20</a:t>
             </a:fld>
             <a:endParaRPr lang="en-US"/>
           </a:p>
@@ -8423,124 +8423,145 @@
           <a:lstStyle/>
           <a:p>
             <a:r>
-              <a:rPr lang="en-US" sz="1400" dirty="0"/>
+              <a:rPr lang="en-US" sz="1200" dirty="0"/>
               <a:t>Oct 2018</a:t>
             </a:r>
           </a:p>
           <a:p>
             <a:pPr lvl="1"/>
             <a:r>
-              <a:rPr lang="en-US" sz="1400" dirty="0"/>
+              <a:rPr lang="en-US" sz="1200" dirty="0"/>
               <a:t>Draft was published </a:t>
             </a:r>
             <a:r>
-              <a:rPr lang="en-US" sz="1400" i="1" dirty="0"/>
+              <a:rPr lang="en-US" sz="1200" i="1" dirty="0"/>
               <a:t>draft-gandhi-spring-ioam-sr-mpls-00</a:t>
             </a:r>
           </a:p>
           <a:p>
             <a:r>
-              <a:rPr lang="en-US" sz="1400" dirty="0"/>
+              <a:rPr lang="en-US" sz="1200" dirty="0"/>
               <a:t>Nov 2018 and March 2019 </a:t>
             </a:r>
-            <a:endParaRPr lang="en-US" sz="1400" i="1" dirty="0"/>
+            <a:endParaRPr lang="en-US" sz="1200" i="1" dirty="0"/>
           </a:p>
           <a:p>
             <a:pPr lvl="1"/>
             <a:r>
-              <a:rPr lang="en-US" sz="1400" dirty="0"/>
+              <a:rPr lang="en-US" sz="1200" dirty="0"/>
               <a:t>Draft was discussed in IPPM WG meetings as part of the IOAM updates</a:t>
             </a:r>
           </a:p>
           <a:p>
             <a:r>
-              <a:rPr lang="en-US" sz="1400" dirty="0"/>
+              <a:rPr lang="en-US" sz="1200" dirty="0"/>
               <a:t>July 2019</a:t>
             </a:r>
           </a:p>
           <a:p>
             <a:pPr lvl="1"/>
             <a:r>
-              <a:rPr lang="en-US" sz="1400" dirty="0"/>
+              <a:rPr lang="en-US" sz="1200" dirty="0"/>
               <a:t>Presented </a:t>
             </a:r>
             <a:r>
-              <a:rPr lang="en-US" sz="1400" i="1" dirty="0"/>
+              <a:rPr lang="en-US" sz="1200" i="1" dirty="0"/>
               <a:t>draft-gandhi-spring-ioam-sr-mpls-01 </a:t>
             </a:r>
             <a:r>
-              <a:rPr lang="en-US" sz="1400" dirty="0"/>
+              <a:rPr lang="en-US" sz="1200" dirty="0"/>
               <a:t>at IETF 105 Montreal in SPRING and MPLS WGs</a:t>
             </a:r>
           </a:p>
           <a:p>
             <a:r>
-              <a:rPr lang="en-US" sz="1400" dirty="0"/>
+              <a:rPr lang="en-US" sz="1200" dirty="0"/>
               <a:t>Oct 2019</a:t>
             </a:r>
           </a:p>
           <a:p>
             <a:pPr lvl="1"/>
             <a:r>
-              <a:rPr lang="en-US" sz="1400" dirty="0"/>
+              <a:rPr lang="en-US" sz="1200" dirty="0"/>
               <a:t>Chairs agreed to progress the work in MPLS WG</a:t>
             </a:r>
           </a:p>
           <a:p>
             <a:pPr lvl="1"/>
             <a:r>
-              <a:rPr lang="en-US" sz="1400" dirty="0"/>
+              <a:rPr lang="en-US" sz="1200" dirty="0"/>
               <a:t>Draft renamed to </a:t>
             </a:r>
             <a:r>
-              <a:rPr lang="en-US" sz="1400" i="1" dirty="0"/>
+              <a:rPr lang="en-US" sz="1200" i="1" dirty="0"/>
               <a:t>draft-gandhi-mpls-ioam-sr-00 </a:t>
             </a:r>
           </a:p>
           <a:p>
             <a:r>
-              <a:rPr lang="en-US" sz="1400" dirty="0"/>
+              <a:rPr lang="en-US" sz="1200" dirty="0"/>
               <a:t>Nov 2019</a:t>
             </a:r>
           </a:p>
           <a:p>
             <a:pPr lvl="1"/>
             <a:r>
-              <a:rPr lang="en-US" sz="1400" dirty="0"/>
+              <a:rPr lang="en-US" sz="1200" dirty="0"/>
               <a:t>Presented </a:t>
             </a:r>
             <a:r>
-              <a:rPr lang="en-US" sz="1400" i="1" dirty="0"/>
+              <a:rPr lang="en-US" sz="1200" i="1" dirty="0"/>
               <a:t>draft-gandhi-mpls-ioam-sr-00</a:t>
             </a:r>
             <a:r>
-              <a:rPr lang="en-US" sz="1400" dirty="0"/>
+              <a:rPr lang="en-US" sz="1200" dirty="0"/>
               <a:t> at IETF 106 Singapore in MPLS WG</a:t>
             </a:r>
           </a:p>
           <a:p>
             <a:r>
-              <a:rPr lang="en-CA" sz="1400" dirty="0"/>
+              <a:rPr lang="en-CA" sz="1200" dirty="0"/>
               <a:t>Apr 2020</a:t>
             </a:r>
           </a:p>
           <a:p>
             <a:pPr lvl="1"/>
             <a:r>
-              <a:rPr lang="en-US" sz="1400" dirty="0"/>
+              <a:rPr lang="en-US" sz="1200" dirty="0"/>
               <a:t>Quickly presented </a:t>
             </a:r>
             <a:r>
-              <a:rPr lang="en-US" sz="1400" i="1" dirty="0"/>
+              <a:rPr lang="en-US" sz="1200" i="1" dirty="0"/>
               <a:t>draft-gandhi-mpls-ioam-sr-02 </a:t>
             </a:r>
             <a:r>
-              <a:rPr lang="en-US" sz="1400" dirty="0"/>
+              <a:rPr lang="en-US" sz="1200" dirty="0"/>
               <a:t>at IETF 107 in MPLS WG Interim</a:t>
             </a:r>
           </a:p>
           <a:p>
-            <a:endParaRPr lang="en-US" sz="1400" dirty="0"/>
+            <a:r>
+              <a:rPr lang="en-US" sz="1200" dirty="0"/>
+              <a:t>Jul 2020</a:t>
+            </a:r>
+          </a:p>
+          <a:p>
+            <a:pPr lvl="1"/>
+            <a:r>
+              <a:rPr lang="en-US" sz="1200" dirty="0"/>
+              <a:t>Presented in </a:t>
+            </a:r>
+            <a:r>
+              <a:rPr lang="en-US" sz="1200" i="1" dirty="0"/>
+              <a:t>draft-gandhi-mpls-ioam-sr-02 </a:t>
+            </a:r>
+            <a:r>
+              <a:rPr lang="en-US" sz="1200" dirty="0"/>
+              <a:t>at IETF 108 in MPLS WG</a:t>
+            </a:r>
+          </a:p>
+          <a:p>
+            <a:endParaRPr lang="en-US" sz="1200" dirty="0"/>
           </a:p>
         </p:txBody>
       </p:sp>

--- a/draft-gandhi-mpls-ioam-sr-02.pptx
+++ b/draft-gandhi-mpls-ioam-sr-02.pptx
@@ -260,7 +260,7 @@
           <a:p>
             <a:fld id="{E8FA3DB5-7722-3F4F-947D-12B203669AD7}" type="datetimeFigureOut">
               <a:rPr lang="en-US" smtClean="0"/>
-              <a:t>7/31/20</a:t>
+              <a:t>9/14/20</a:t>
             </a:fld>
             <a:endParaRPr lang="en-US"/>
           </a:p>
@@ -8537,27 +8537,6 @@
             <a:r>
               <a:rPr lang="en-US" sz="1200" dirty="0"/>
               <a:t>at IETF 107 in MPLS WG Interim</a:t>
-            </a:r>
-          </a:p>
-          <a:p>
-            <a:r>
-              <a:rPr lang="en-US" sz="1200" dirty="0"/>
-              <a:t>Jul 2020</a:t>
-            </a:r>
-          </a:p>
-          <a:p>
-            <a:pPr lvl="1"/>
-            <a:r>
-              <a:rPr lang="en-US" sz="1200" dirty="0"/>
-              <a:t>Presented in </a:t>
-            </a:r>
-            <a:r>
-              <a:rPr lang="en-US" sz="1200" i="1" dirty="0"/>
-              <a:t>draft-gandhi-mpls-ioam-sr-02 </a:t>
-            </a:r>
-            <a:r>
-              <a:rPr lang="en-US" sz="1200" dirty="0"/>
-              <a:t>at IETF 108 in MPLS WG</a:t>
             </a:r>
           </a:p>
           <a:p>
